--- a/黑点/黑点图片.pptx
+++ b/黑点/黑点图片.pptx
@@ -272,7 +272,7 @@
           <a:p>
             <a:fld id="{E3DEFB1E-3B01-4340-A469-0AAE7EE14A16}" type="datetimeFigureOut">
               <a:rPr kumimoji="1" lang="zh-CN" altLang="en-US" smtClean="0"/>
-              <a:t>18/1/5</a:t>
+              <a:t>18/1/12</a:t>
             </a:fld>
             <a:endParaRPr kumimoji="1" lang="zh-CN" altLang="en-US"/>
           </a:p>
@@ -442,7 +442,7 @@
           <a:p>
             <a:fld id="{E3DEFB1E-3B01-4340-A469-0AAE7EE14A16}" type="datetimeFigureOut">
               <a:rPr kumimoji="1" lang="zh-CN" altLang="en-US" smtClean="0"/>
-              <a:t>18/1/5</a:t>
+              <a:t>18/1/12</a:t>
             </a:fld>
             <a:endParaRPr kumimoji="1" lang="zh-CN" altLang="en-US"/>
           </a:p>
@@ -622,7 +622,7 @@
           <a:p>
             <a:fld id="{E3DEFB1E-3B01-4340-A469-0AAE7EE14A16}" type="datetimeFigureOut">
               <a:rPr kumimoji="1" lang="zh-CN" altLang="en-US" smtClean="0"/>
-              <a:t>18/1/5</a:t>
+              <a:t>18/1/12</a:t>
             </a:fld>
             <a:endParaRPr kumimoji="1" lang="zh-CN" altLang="en-US"/>
           </a:p>
@@ -792,7 +792,7 @@
           <a:p>
             <a:fld id="{E3DEFB1E-3B01-4340-A469-0AAE7EE14A16}" type="datetimeFigureOut">
               <a:rPr kumimoji="1" lang="zh-CN" altLang="en-US" smtClean="0"/>
-              <a:t>18/1/5</a:t>
+              <a:t>18/1/12</a:t>
             </a:fld>
             <a:endParaRPr kumimoji="1" lang="zh-CN" altLang="en-US"/>
           </a:p>
@@ -1038,7 +1038,7 @@
           <a:p>
             <a:fld id="{E3DEFB1E-3B01-4340-A469-0AAE7EE14A16}" type="datetimeFigureOut">
               <a:rPr kumimoji="1" lang="zh-CN" altLang="en-US" smtClean="0"/>
-              <a:t>18/1/5</a:t>
+              <a:t>18/1/12</a:t>
             </a:fld>
             <a:endParaRPr kumimoji="1" lang="zh-CN" altLang="en-US"/>
           </a:p>
@@ -1270,7 +1270,7 @@
           <a:p>
             <a:fld id="{E3DEFB1E-3B01-4340-A469-0AAE7EE14A16}" type="datetimeFigureOut">
               <a:rPr kumimoji="1" lang="zh-CN" altLang="en-US" smtClean="0"/>
-              <a:t>18/1/5</a:t>
+              <a:t>18/1/12</a:t>
             </a:fld>
             <a:endParaRPr kumimoji="1" lang="zh-CN" altLang="en-US"/>
           </a:p>
@@ -1637,7 +1637,7 @@
           <a:p>
             <a:fld id="{E3DEFB1E-3B01-4340-A469-0AAE7EE14A16}" type="datetimeFigureOut">
               <a:rPr kumimoji="1" lang="zh-CN" altLang="en-US" smtClean="0"/>
-              <a:t>18/1/5</a:t>
+              <a:t>18/1/12</a:t>
             </a:fld>
             <a:endParaRPr kumimoji="1" lang="zh-CN" altLang="en-US"/>
           </a:p>
@@ -1755,7 +1755,7 @@
           <a:p>
             <a:fld id="{E3DEFB1E-3B01-4340-A469-0AAE7EE14A16}" type="datetimeFigureOut">
               <a:rPr kumimoji="1" lang="zh-CN" altLang="en-US" smtClean="0"/>
-              <a:t>18/1/5</a:t>
+              <a:t>18/1/12</a:t>
             </a:fld>
             <a:endParaRPr kumimoji="1" lang="zh-CN" altLang="en-US"/>
           </a:p>
@@ -1850,7 +1850,7 @@
           <a:p>
             <a:fld id="{E3DEFB1E-3B01-4340-A469-0AAE7EE14A16}" type="datetimeFigureOut">
               <a:rPr kumimoji="1" lang="zh-CN" altLang="en-US" smtClean="0"/>
-              <a:t>18/1/5</a:t>
+              <a:t>18/1/12</a:t>
             </a:fld>
             <a:endParaRPr kumimoji="1" lang="zh-CN" altLang="en-US"/>
           </a:p>
@@ -2127,7 +2127,7 @@
           <a:p>
             <a:fld id="{E3DEFB1E-3B01-4340-A469-0AAE7EE14A16}" type="datetimeFigureOut">
               <a:rPr kumimoji="1" lang="zh-CN" altLang="en-US" smtClean="0"/>
-              <a:t>18/1/5</a:t>
+              <a:t>18/1/12</a:t>
             </a:fld>
             <a:endParaRPr kumimoji="1" lang="zh-CN" altLang="en-US"/>
           </a:p>
@@ -2380,7 +2380,7 @@
           <a:p>
             <a:fld id="{E3DEFB1E-3B01-4340-A469-0AAE7EE14A16}" type="datetimeFigureOut">
               <a:rPr kumimoji="1" lang="zh-CN" altLang="en-US" smtClean="0"/>
-              <a:t>18/1/5</a:t>
+              <a:t>18/1/12</a:t>
             </a:fld>
             <a:endParaRPr kumimoji="1" lang="zh-CN" altLang="en-US"/>
           </a:p>
@@ -2593,7 +2593,7 @@
           <a:p>
             <a:fld id="{E3DEFB1E-3B01-4340-A469-0AAE7EE14A16}" type="datetimeFigureOut">
               <a:rPr kumimoji="1" lang="zh-CN" altLang="en-US" smtClean="0"/>
-              <a:t>18/1/5</a:t>
+              <a:t>18/1/12</a:t>
             </a:fld>
             <a:endParaRPr kumimoji="1" lang="zh-CN" altLang="en-US"/>
           </a:p>
@@ -3112,6 +3112,135 @@
           </a:p>
         </p:txBody>
       </p:sp>
+      <p:graphicFrame>
+        <p:nvGraphicFramePr>
+          <p:cNvPr id="5" name="表格 4"/>
+          <p:cNvGraphicFramePr>
+            <a:graphicFrameLocks noGrp="1"/>
+          </p:cNvGraphicFramePr>
+          <p:nvPr>
+            <p:extLst>
+              <p:ext uri="{D42A27DB-BD31-4B8C-83A1-F6EECF244321}">
+                <p14:modId xmlns:p14="http://schemas.microsoft.com/office/powerpoint/2010/main" val="633802444"/>
+              </p:ext>
+            </p:extLst>
+          </p:nvPr>
+        </p:nvGraphicFramePr>
+        <p:xfrm>
+          <a:off x="3396000" y="729000"/>
+          <a:ext cx="5400000" cy="5400000"/>
+        </p:xfrm>
+        <a:graphic>
+          <a:graphicData uri="http://schemas.openxmlformats.org/drawingml/2006/table">
+            <a:tbl>
+              <a:tblPr firstRow="1" bandRow="1">
+                <a:tableStyleId>{5940675A-B579-460E-94D1-54222C63F5DA}</a:tableStyleId>
+              </a:tblPr>
+              <a:tblGrid>
+                <a:gridCol w="1800000"/>
+                <a:gridCol w="1800000"/>
+                <a:gridCol w="1800000"/>
+              </a:tblGrid>
+              <a:tr h="1800000">
+                <a:tc>
+                  <a:txBody>
+                    <a:bodyPr/>
+                    <a:lstStyle/>
+                    <a:p>
+                      <a:endParaRPr lang="zh-CN" altLang="en-US" dirty="0"/>
+                    </a:p>
+                  </a:txBody>
+                  <a:tcPr/>
+                </a:tc>
+                <a:tc>
+                  <a:txBody>
+                    <a:bodyPr/>
+                    <a:lstStyle/>
+                    <a:p>
+                      <a:endParaRPr lang="zh-CN" altLang="en-US"/>
+                    </a:p>
+                  </a:txBody>
+                  <a:tcPr/>
+                </a:tc>
+                <a:tc>
+                  <a:txBody>
+                    <a:bodyPr/>
+                    <a:lstStyle/>
+                    <a:p>
+                      <a:endParaRPr lang="zh-CN" altLang="en-US"/>
+                    </a:p>
+                  </a:txBody>
+                  <a:tcPr/>
+                </a:tc>
+              </a:tr>
+              <a:tr h="1800000">
+                <a:tc>
+                  <a:txBody>
+                    <a:bodyPr/>
+                    <a:lstStyle/>
+                    <a:p>
+                      <a:endParaRPr lang="zh-CN" altLang="en-US"/>
+                    </a:p>
+                  </a:txBody>
+                  <a:tcPr/>
+                </a:tc>
+                <a:tc>
+                  <a:txBody>
+                    <a:bodyPr/>
+                    <a:lstStyle/>
+                    <a:p>
+                      <a:endParaRPr lang="zh-CN" altLang="en-US"/>
+                    </a:p>
+                  </a:txBody>
+                  <a:tcPr/>
+                </a:tc>
+                <a:tc>
+                  <a:txBody>
+                    <a:bodyPr/>
+                    <a:lstStyle/>
+                    <a:p>
+                      <a:endParaRPr lang="zh-CN" altLang="en-US"/>
+                    </a:p>
+                  </a:txBody>
+                  <a:tcPr/>
+                </a:tc>
+              </a:tr>
+              <a:tr h="1800000">
+                <a:tc>
+                  <a:txBody>
+                    <a:bodyPr/>
+                    <a:lstStyle/>
+                    <a:p>
+                      <a:endParaRPr lang="zh-CN" altLang="en-US"/>
+                    </a:p>
+                  </a:txBody>
+                  <a:tcPr/>
+                </a:tc>
+                <a:tc>
+                  <a:txBody>
+                    <a:bodyPr/>
+                    <a:lstStyle/>
+                    <a:p>
+                      <a:endParaRPr lang="zh-CN" altLang="en-US"/>
+                    </a:p>
+                  </a:txBody>
+                  <a:tcPr/>
+                </a:tc>
+                <a:tc>
+                  <a:txBody>
+                    <a:bodyPr/>
+                    <a:lstStyle/>
+                    <a:p>
+                      <a:endParaRPr lang="zh-CN" altLang="en-US" dirty="0"/>
+                    </a:p>
+                  </a:txBody>
+                  <a:tcPr/>
+                </a:tc>
+              </a:tr>
+            </a:tbl>
+          </a:graphicData>
+        </a:graphic>
+      </p:graphicFrame>
     </p:spTree>
     <p:extLst>
       <p:ext uri="{BB962C8B-B14F-4D97-AF65-F5344CB8AC3E}">
@@ -3294,6 +3423,208 @@
           </a:p>
         </p:txBody>
       </p:sp>
+      <p:graphicFrame>
+        <p:nvGraphicFramePr>
+          <p:cNvPr id="9" name="表格 8"/>
+          <p:cNvGraphicFramePr>
+            <a:graphicFrameLocks noGrp="1"/>
+          </p:cNvGraphicFramePr>
+          <p:nvPr>
+            <p:extLst>
+              <p:ext uri="{D42A27DB-BD31-4B8C-83A1-F6EECF244321}">
+                <p14:modId xmlns:p14="http://schemas.microsoft.com/office/powerpoint/2010/main" val="1179875014"/>
+              </p:ext>
+            </p:extLst>
+          </p:nvPr>
+        </p:nvGraphicFramePr>
+        <p:xfrm>
+          <a:off x="3698520" y="1074418"/>
+          <a:ext cx="4794960" cy="4709164"/>
+        </p:xfrm>
+        <a:graphic>
+          <a:graphicData uri="http://schemas.openxmlformats.org/drawingml/2006/table">
+            <a:tbl>
+              <a:tblPr firstRow="1" bandRow="1">
+                <a:tableStyleId>{5940675A-B579-460E-94D1-54222C63F5DA}</a:tableStyleId>
+              </a:tblPr>
+              <a:tblGrid>
+                <a:gridCol w="1198740"/>
+                <a:gridCol w="1198740"/>
+                <a:gridCol w="1198740"/>
+                <a:gridCol w="1198740"/>
+              </a:tblGrid>
+              <a:tr h="1177291">
+                <a:tc>
+                  <a:txBody>
+                    <a:bodyPr/>
+                    <a:lstStyle/>
+                    <a:p>
+                      <a:endParaRPr lang="zh-CN" altLang="en-US" dirty="0"/>
+                    </a:p>
+                  </a:txBody>
+                  <a:tcPr/>
+                </a:tc>
+                <a:tc>
+                  <a:txBody>
+                    <a:bodyPr/>
+                    <a:lstStyle/>
+                    <a:p>
+                      <a:endParaRPr lang="zh-CN" altLang="en-US"/>
+                    </a:p>
+                  </a:txBody>
+                  <a:tcPr/>
+                </a:tc>
+                <a:tc>
+                  <a:txBody>
+                    <a:bodyPr/>
+                    <a:lstStyle/>
+                    <a:p>
+                      <a:endParaRPr lang="zh-CN" altLang="en-US"/>
+                    </a:p>
+                  </a:txBody>
+                  <a:tcPr/>
+                </a:tc>
+                <a:tc>
+                  <a:txBody>
+                    <a:bodyPr/>
+                    <a:lstStyle/>
+                    <a:p>
+                      <a:endParaRPr lang="zh-CN" altLang="en-US"/>
+                    </a:p>
+                  </a:txBody>
+                  <a:tcPr/>
+                </a:tc>
+              </a:tr>
+              <a:tr h="1177291">
+                <a:tc>
+                  <a:txBody>
+                    <a:bodyPr/>
+                    <a:lstStyle/>
+                    <a:p>
+                      <a:endParaRPr lang="zh-CN" altLang="en-US"/>
+                    </a:p>
+                  </a:txBody>
+                  <a:tcPr/>
+                </a:tc>
+                <a:tc>
+                  <a:txBody>
+                    <a:bodyPr/>
+                    <a:lstStyle/>
+                    <a:p>
+                      <a:endParaRPr lang="zh-CN" altLang="en-US"/>
+                    </a:p>
+                  </a:txBody>
+                  <a:tcPr/>
+                </a:tc>
+                <a:tc>
+                  <a:txBody>
+                    <a:bodyPr/>
+                    <a:lstStyle/>
+                    <a:p>
+                      <a:endParaRPr lang="zh-CN" altLang="en-US"/>
+                    </a:p>
+                  </a:txBody>
+                  <a:tcPr/>
+                </a:tc>
+                <a:tc>
+                  <a:txBody>
+                    <a:bodyPr/>
+                    <a:lstStyle/>
+                    <a:p>
+                      <a:endParaRPr lang="zh-CN" altLang="en-US"/>
+                    </a:p>
+                  </a:txBody>
+                  <a:tcPr/>
+                </a:tc>
+              </a:tr>
+              <a:tr h="1177291">
+                <a:tc>
+                  <a:txBody>
+                    <a:bodyPr/>
+                    <a:lstStyle/>
+                    <a:p>
+                      <a:endParaRPr lang="zh-CN" altLang="en-US"/>
+                    </a:p>
+                  </a:txBody>
+                  <a:tcPr/>
+                </a:tc>
+                <a:tc>
+                  <a:txBody>
+                    <a:bodyPr/>
+                    <a:lstStyle/>
+                    <a:p>
+                      <a:endParaRPr lang="zh-CN" altLang="en-US"/>
+                    </a:p>
+                  </a:txBody>
+                  <a:tcPr/>
+                </a:tc>
+                <a:tc>
+                  <a:txBody>
+                    <a:bodyPr/>
+                    <a:lstStyle/>
+                    <a:p>
+                      <a:endParaRPr lang="zh-CN" altLang="en-US"/>
+                    </a:p>
+                  </a:txBody>
+                  <a:tcPr/>
+                </a:tc>
+                <a:tc>
+                  <a:txBody>
+                    <a:bodyPr/>
+                    <a:lstStyle/>
+                    <a:p>
+                      <a:endParaRPr lang="zh-CN" altLang="en-US"/>
+                    </a:p>
+                  </a:txBody>
+                  <a:tcPr/>
+                </a:tc>
+              </a:tr>
+              <a:tr h="1177291">
+                <a:tc>
+                  <a:txBody>
+                    <a:bodyPr/>
+                    <a:lstStyle/>
+                    <a:p>
+                      <a:endParaRPr lang="zh-CN" altLang="en-US"/>
+                    </a:p>
+                  </a:txBody>
+                  <a:tcPr/>
+                </a:tc>
+                <a:tc>
+                  <a:txBody>
+                    <a:bodyPr/>
+                    <a:lstStyle/>
+                    <a:p>
+                      <a:endParaRPr lang="zh-CN" altLang="en-US"/>
+                    </a:p>
+                  </a:txBody>
+                  <a:tcPr/>
+                </a:tc>
+                <a:tc>
+                  <a:txBody>
+                    <a:bodyPr/>
+                    <a:lstStyle/>
+                    <a:p>
+                      <a:endParaRPr lang="zh-CN" altLang="en-US"/>
+                    </a:p>
+                  </a:txBody>
+                  <a:tcPr/>
+                </a:tc>
+                <a:tc>
+                  <a:txBody>
+                    <a:bodyPr/>
+                    <a:lstStyle/>
+                    <a:p>
+                      <a:endParaRPr lang="zh-CN" altLang="en-US" dirty="0"/>
+                    </a:p>
+                  </a:txBody>
+                  <a:tcPr/>
+                </a:tc>
+              </a:tr>
+            </a:tbl>
+          </a:graphicData>
+        </a:graphic>
+      </p:graphicFrame>
     </p:spTree>
     <p:extLst>
       <p:ext uri="{BB962C8B-B14F-4D97-AF65-F5344CB8AC3E}">
@@ -3476,6 +3807,208 @@
           </a:p>
         </p:txBody>
       </p:sp>
+      <p:graphicFrame>
+        <p:nvGraphicFramePr>
+          <p:cNvPr id="9" name="表格 8"/>
+          <p:cNvGraphicFramePr>
+            <a:graphicFrameLocks noGrp="1"/>
+          </p:cNvGraphicFramePr>
+          <p:nvPr>
+            <p:extLst>
+              <p:ext uri="{D42A27DB-BD31-4B8C-83A1-F6EECF244321}">
+                <p14:modId xmlns:p14="http://schemas.microsoft.com/office/powerpoint/2010/main" val="1179875014"/>
+              </p:ext>
+            </p:extLst>
+          </p:nvPr>
+        </p:nvGraphicFramePr>
+        <p:xfrm>
+          <a:off x="3698520" y="1074418"/>
+          <a:ext cx="4794960" cy="4709164"/>
+        </p:xfrm>
+        <a:graphic>
+          <a:graphicData uri="http://schemas.openxmlformats.org/drawingml/2006/table">
+            <a:tbl>
+              <a:tblPr firstRow="1" bandRow="1">
+                <a:tableStyleId>{5940675A-B579-460E-94D1-54222C63F5DA}</a:tableStyleId>
+              </a:tblPr>
+              <a:tblGrid>
+                <a:gridCol w="1198740"/>
+                <a:gridCol w="1198740"/>
+                <a:gridCol w="1198740"/>
+                <a:gridCol w="1198740"/>
+              </a:tblGrid>
+              <a:tr h="1177291">
+                <a:tc>
+                  <a:txBody>
+                    <a:bodyPr/>
+                    <a:lstStyle/>
+                    <a:p>
+                      <a:endParaRPr lang="zh-CN" altLang="en-US" dirty="0"/>
+                    </a:p>
+                  </a:txBody>
+                  <a:tcPr/>
+                </a:tc>
+                <a:tc>
+                  <a:txBody>
+                    <a:bodyPr/>
+                    <a:lstStyle/>
+                    <a:p>
+                      <a:endParaRPr lang="zh-CN" altLang="en-US"/>
+                    </a:p>
+                  </a:txBody>
+                  <a:tcPr/>
+                </a:tc>
+                <a:tc>
+                  <a:txBody>
+                    <a:bodyPr/>
+                    <a:lstStyle/>
+                    <a:p>
+                      <a:endParaRPr lang="zh-CN" altLang="en-US"/>
+                    </a:p>
+                  </a:txBody>
+                  <a:tcPr/>
+                </a:tc>
+                <a:tc>
+                  <a:txBody>
+                    <a:bodyPr/>
+                    <a:lstStyle/>
+                    <a:p>
+                      <a:endParaRPr lang="zh-CN" altLang="en-US"/>
+                    </a:p>
+                  </a:txBody>
+                  <a:tcPr/>
+                </a:tc>
+              </a:tr>
+              <a:tr h="1177291">
+                <a:tc>
+                  <a:txBody>
+                    <a:bodyPr/>
+                    <a:lstStyle/>
+                    <a:p>
+                      <a:endParaRPr lang="zh-CN" altLang="en-US"/>
+                    </a:p>
+                  </a:txBody>
+                  <a:tcPr/>
+                </a:tc>
+                <a:tc>
+                  <a:txBody>
+                    <a:bodyPr/>
+                    <a:lstStyle/>
+                    <a:p>
+                      <a:endParaRPr lang="zh-CN" altLang="en-US"/>
+                    </a:p>
+                  </a:txBody>
+                  <a:tcPr/>
+                </a:tc>
+                <a:tc>
+                  <a:txBody>
+                    <a:bodyPr/>
+                    <a:lstStyle/>
+                    <a:p>
+                      <a:endParaRPr lang="zh-CN" altLang="en-US"/>
+                    </a:p>
+                  </a:txBody>
+                  <a:tcPr/>
+                </a:tc>
+                <a:tc>
+                  <a:txBody>
+                    <a:bodyPr/>
+                    <a:lstStyle/>
+                    <a:p>
+                      <a:endParaRPr lang="zh-CN" altLang="en-US"/>
+                    </a:p>
+                  </a:txBody>
+                  <a:tcPr/>
+                </a:tc>
+              </a:tr>
+              <a:tr h="1177291">
+                <a:tc>
+                  <a:txBody>
+                    <a:bodyPr/>
+                    <a:lstStyle/>
+                    <a:p>
+                      <a:endParaRPr lang="zh-CN" altLang="en-US"/>
+                    </a:p>
+                  </a:txBody>
+                  <a:tcPr/>
+                </a:tc>
+                <a:tc>
+                  <a:txBody>
+                    <a:bodyPr/>
+                    <a:lstStyle/>
+                    <a:p>
+                      <a:endParaRPr lang="zh-CN" altLang="en-US"/>
+                    </a:p>
+                  </a:txBody>
+                  <a:tcPr/>
+                </a:tc>
+                <a:tc>
+                  <a:txBody>
+                    <a:bodyPr/>
+                    <a:lstStyle/>
+                    <a:p>
+                      <a:endParaRPr lang="zh-CN" altLang="en-US"/>
+                    </a:p>
+                  </a:txBody>
+                  <a:tcPr/>
+                </a:tc>
+                <a:tc>
+                  <a:txBody>
+                    <a:bodyPr/>
+                    <a:lstStyle/>
+                    <a:p>
+                      <a:endParaRPr lang="zh-CN" altLang="en-US"/>
+                    </a:p>
+                  </a:txBody>
+                  <a:tcPr/>
+                </a:tc>
+              </a:tr>
+              <a:tr h="1177291">
+                <a:tc>
+                  <a:txBody>
+                    <a:bodyPr/>
+                    <a:lstStyle/>
+                    <a:p>
+                      <a:endParaRPr lang="zh-CN" altLang="en-US"/>
+                    </a:p>
+                  </a:txBody>
+                  <a:tcPr/>
+                </a:tc>
+                <a:tc>
+                  <a:txBody>
+                    <a:bodyPr/>
+                    <a:lstStyle/>
+                    <a:p>
+                      <a:endParaRPr lang="zh-CN" altLang="en-US"/>
+                    </a:p>
+                  </a:txBody>
+                  <a:tcPr/>
+                </a:tc>
+                <a:tc>
+                  <a:txBody>
+                    <a:bodyPr/>
+                    <a:lstStyle/>
+                    <a:p>
+                      <a:endParaRPr lang="zh-CN" altLang="en-US"/>
+                    </a:p>
+                  </a:txBody>
+                  <a:tcPr/>
+                </a:tc>
+                <a:tc>
+                  <a:txBody>
+                    <a:bodyPr/>
+                    <a:lstStyle/>
+                    <a:p>
+                      <a:endParaRPr lang="zh-CN" altLang="en-US" dirty="0"/>
+                    </a:p>
+                  </a:txBody>
+                  <a:tcPr/>
+                </a:tc>
+              </a:tr>
+            </a:tbl>
+          </a:graphicData>
+        </a:graphic>
+      </p:graphicFrame>
     </p:spTree>
     <p:extLst>
       <p:ext uri="{BB962C8B-B14F-4D97-AF65-F5344CB8AC3E}">
@@ -3658,6 +4191,208 @@
           </a:p>
         </p:txBody>
       </p:sp>
+      <p:graphicFrame>
+        <p:nvGraphicFramePr>
+          <p:cNvPr id="9" name="表格 8"/>
+          <p:cNvGraphicFramePr>
+            <a:graphicFrameLocks noGrp="1"/>
+          </p:cNvGraphicFramePr>
+          <p:nvPr>
+            <p:extLst>
+              <p:ext uri="{D42A27DB-BD31-4B8C-83A1-F6EECF244321}">
+                <p14:modId xmlns:p14="http://schemas.microsoft.com/office/powerpoint/2010/main" val="1179875014"/>
+              </p:ext>
+            </p:extLst>
+          </p:nvPr>
+        </p:nvGraphicFramePr>
+        <p:xfrm>
+          <a:off x="3698520" y="1074418"/>
+          <a:ext cx="4794960" cy="4709164"/>
+        </p:xfrm>
+        <a:graphic>
+          <a:graphicData uri="http://schemas.openxmlformats.org/drawingml/2006/table">
+            <a:tbl>
+              <a:tblPr firstRow="1" bandRow="1">
+                <a:tableStyleId>{5940675A-B579-460E-94D1-54222C63F5DA}</a:tableStyleId>
+              </a:tblPr>
+              <a:tblGrid>
+                <a:gridCol w="1198740"/>
+                <a:gridCol w="1198740"/>
+                <a:gridCol w="1198740"/>
+                <a:gridCol w="1198740"/>
+              </a:tblGrid>
+              <a:tr h="1177291">
+                <a:tc>
+                  <a:txBody>
+                    <a:bodyPr/>
+                    <a:lstStyle/>
+                    <a:p>
+                      <a:endParaRPr lang="zh-CN" altLang="en-US" dirty="0"/>
+                    </a:p>
+                  </a:txBody>
+                  <a:tcPr/>
+                </a:tc>
+                <a:tc>
+                  <a:txBody>
+                    <a:bodyPr/>
+                    <a:lstStyle/>
+                    <a:p>
+                      <a:endParaRPr lang="zh-CN" altLang="en-US"/>
+                    </a:p>
+                  </a:txBody>
+                  <a:tcPr/>
+                </a:tc>
+                <a:tc>
+                  <a:txBody>
+                    <a:bodyPr/>
+                    <a:lstStyle/>
+                    <a:p>
+                      <a:endParaRPr lang="zh-CN" altLang="en-US"/>
+                    </a:p>
+                  </a:txBody>
+                  <a:tcPr/>
+                </a:tc>
+                <a:tc>
+                  <a:txBody>
+                    <a:bodyPr/>
+                    <a:lstStyle/>
+                    <a:p>
+                      <a:endParaRPr lang="zh-CN" altLang="en-US"/>
+                    </a:p>
+                  </a:txBody>
+                  <a:tcPr/>
+                </a:tc>
+              </a:tr>
+              <a:tr h="1177291">
+                <a:tc>
+                  <a:txBody>
+                    <a:bodyPr/>
+                    <a:lstStyle/>
+                    <a:p>
+                      <a:endParaRPr lang="zh-CN" altLang="en-US"/>
+                    </a:p>
+                  </a:txBody>
+                  <a:tcPr/>
+                </a:tc>
+                <a:tc>
+                  <a:txBody>
+                    <a:bodyPr/>
+                    <a:lstStyle/>
+                    <a:p>
+                      <a:endParaRPr lang="zh-CN" altLang="en-US"/>
+                    </a:p>
+                  </a:txBody>
+                  <a:tcPr/>
+                </a:tc>
+                <a:tc>
+                  <a:txBody>
+                    <a:bodyPr/>
+                    <a:lstStyle/>
+                    <a:p>
+                      <a:endParaRPr lang="zh-CN" altLang="en-US"/>
+                    </a:p>
+                  </a:txBody>
+                  <a:tcPr/>
+                </a:tc>
+                <a:tc>
+                  <a:txBody>
+                    <a:bodyPr/>
+                    <a:lstStyle/>
+                    <a:p>
+                      <a:endParaRPr lang="zh-CN" altLang="en-US"/>
+                    </a:p>
+                  </a:txBody>
+                  <a:tcPr/>
+                </a:tc>
+              </a:tr>
+              <a:tr h="1177291">
+                <a:tc>
+                  <a:txBody>
+                    <a:bodyPr/>
+                    <a:lstStyle/>
+                    <a:p>
+                      <a:endParaRPr lang="zh-CN" altLang="en-US"/>
+                    </a:p>
+                  </a:txBody>
+                  <a:tcPr/>
+                </a:tc>
+                <a:tc>
+                  <a:txBody>
+                    <a:bodyPr/>
+                    <a:lstStyle/>
+                    <a:p>
+                      <a:endParaRPr lang="zh-CN" altLang="en-US"/>
+                    </a:p>
+                  </a:txBody>
+                  <a:tcPr/>
+                </a:tc>
+                <a:tc>
+                  <a:txBody>
+                    <a:bodyPr/>
+                    <a:lstStyle/>
+                    <a:p>
+                      <a:endParaRPr lang="zh-CN" altLang="en-US"/>
+                    </a:p>
+                  </a:txBody>
+                  <a:tcPr/>
+                </a:tc>
+                <a:tc>
+                  <a:txBody>
+                    <a:bodyPr/>
+                    <a:lstStyle/>
+                    <a:p>
+                      <a:endParaRPr lang="zh-CN" altLang="en-US"/>
+                    </a:p>
+                  </a:txBody>
+                  <a:tcPr/>
+                </a:tc>
+              </a:tr>
+              <a:tr h="1177291">
+                <a:tc>
+                  <a:txBody>
+                    <a:bodyPr/>
+                    <a:lstStyle/>
+                    <a:p>
+                      <a:endParaRPr lang="zh-CN" altLang="en-US"/>
+                    </a:p>
+                  </a:txBody>
+                  <a:tcPr/>
+                </a:tc>
+                <a:tc>
+                  <a:txBody>
+                    <a:bodyPr/>
+                    <a:lstStyle/>
+                    <a:p>
+                      <a:endParaRPr lang="zh-CN" altLang="en-US"/>
+                    </a:p>
+                  </a:txBody>
+                  <a:tcPr/>
+                </a:tc>
+                <a:tc>
+                  <a:txBody>
+                    <a:bodyPr/>
+                    <a:lstStyle/>
+                    <a:p>
+                      <a:endParaRPr lang="zh-CN" altLang="en-US"/>
+                    </a:p>
+                  </a:txBody>
+                  <a:tcPr/>
+                </a:tc>
+                <a:tc>
+                  <a:txBody>
+                    <a:bodyPr/>
+                    <a:lstStyle/>
+                    <a:p>
+                      <a:endParaRPr lang="zh-CN" altLang="en-US" dirty="0"/>
+                    </a:p>
+                  </a:txBody>
+                  <a:tcPr/>
+                </a:tc>
+              </a:tr>
+            </a:tbl>
+          </a:graphicData>
+        </a:graphic>
+      </p:graphicFrame>
     </p:spTree>
     <p:extLst>
       <p:ext uri="{BB962C8B-B14F-4D97-AF65-F5344CB8AC3E}">
@@ -3840,6 +4575,208 @@
           </a:p>
         </p:txBody>
       </p:sp>
+      <p:graphicFrame>
+        <p:nvGraphicFramePr>
+          <p:cNvPr id="9" name="表格 8"/>
+          <p:cNvGraphicFramePr>
+            <a:graphicFrameLocks noGrp="1"/>
+          </p:cNvGraphicFramePr>
+          <p:nvPr>
+            <p:extLst>
+              <p:ext uri="{D42A27DB-BD31-4B8C-83A1-F6EECF244321}">
+                <p14:modId xmlns:p14="http://schemas.microsoft.com/office/powerpoint/2010/main" val="1179875014"/>
+              </p:ext>
+            </p:extLst>
+          </p:nvPr>
+        </p:nvGraphicFramePr>
+        <p:xfrm>
+          <a:off x="3698520" y="1074418"/>
+          <a:ext cx="4794960" cy="4709164"/>
+        </p:xfrm>
+        <a:graphic>
+          <a:graphicData uri="http://schemas.openxmlformats.org/drawingml/2006/table">
+            <a:tbl>
+              <a:tblPr firstRow="1" bandRow="1">
+                <a:tableStyleId>{5940675A-B579-460E-94D1-54222C63F5DA}</a:tableStyleId>
+              </a:tblPr>
+              <a:tblGrid>
+                <a:gridCol w="1198740"/>
+                <a:gridCol w="1198740"/>
+                <a:gridCol w="1198740"/>
+                <a:gridCol w="1198740"/>
+              </a:tblGrid>
+              <a:tr h="1177291">
+                <a:tc>
+                  <a:txBody>
+                    <a:bodyPr/>
+                    <a:lstStyle/>
+                    <a:p>
+                      <a:endParaRPr lang="zh-CN" altLang="en-US" dirty="0"/>
+                    </a:p>
+                  </a:txBody>
+                  <a:tcPr/>
+                </a:tc>
+                <a:tc>
+                  <a:txBody>
+                    <a:bodyPr/>
+                    <a:lstStyle/>
+                    <a:p>
+                      <a:endParaRPr lang="zh-CN" altLang="en-US"/>
+                    </a:p>
+                  </a:txBody>
+                  <a:tcPr/>
+                </a:tc>
+                <a:tc>
+                  <a:txBody>
+                    <a:bodyPr/>
+                    <a:lstStyle/>
+                    <a:p>
+                      <a:endParaRPr lang="zh-CN" altLang="en-US"/>
+                    </a:p>
+                  </a:txBody>
+                  <a:tcPr/>
+                </a:tc>
+                <a:tc>
+                  <a:txBody>
+                    <a:bodyPr/>
+                    <a:lstStyle/>
+                    <a:p>
+                      <a:endParaRPr lang="zh-CN" altLang="en-US"/>
+                    </a:p>
+                  </a:txBody>
+                  <a:tcPr/>
+                </a:tc>
+              </a:tr>
+              <a:tr h="1177291">
+                <a:tc>
+                  <a:txBody>
+                    <a:bodyPr/>
+                    <a:lstStyle/>
+                    <a:p>
+                      <a:endParaRPr lang="zh-CN" altLang="en-US"/>
+                    </a:p>
+                  </a:txBody>
+                  <a:tcPr/>
+                </a:tc>
+                <a:tc>
+                  <a:txBody>
+                    <a:bodyPr/>
+                    <a:lstStyle/>
+                    <a:p>
+                      <a:endParaRPr lang="zh-CN" altLang="en-US"/>
+                    </a:p>
+                  </a:txBody>
+                  <a:tcPr/>
+                </a:tc>
+                <a:tc>
+                  <a:txBody>
+                    <a:bodyPr/>
+                    <a:lstStyle/>
+                    <a:p>
+                      <a:endParaRPr lang="zh-CN" altLang="en-US"/>
+                    </a:p>
+                  </a:txBody>
+                  <a:tcPr/>
+                </a:tc>
+                <a:tc>
+                  <a:txBody>
+                    <a:bodyPr/>
+                    <a:lstStyle/>
+                    <a:p>
+                      <a:endParaRPr lang="zh-CN" altLang="en-US"/>
+                    </a:p>
+                  </a:txBody>
+                  <a:tcPr/>
+                </a:tc>
+              </a:tr>
+              <a:tr h="1177291">
+                <a:tc>
+                  <a:txBody>
+                    <a:bodyPr/>
+                    <a:lstStyle/>
+                    <a:p>
+                      <a:endParaRPr lang="zh-CN" altLang="en-US"/>
+                    </a:p>
+                  </a:txBody>
+                  <a:tcPr/>
+                </a:tc>
+                <a:tc>
+                  <a:txBody>
+                    <a:bodyPr/>
+                    <a:lstStyle/>
+                    <a:p>
+                      <a:endParaRPr lang="zh-CN" altLang="en-US"/>
+                    </a:p>
+                  </a:txBody>
+                  <a:tcPr/>
+                </a:tc>
+                <a:tc>
+                  <a:txBody>
+                    <a:bodyPr/>
+                    <a:lstStyle/>
+                    <a:p>
+                      <a:endParaRPr lang="zh-CN" altLang="en-US"/>
+                    </a:p>
+                  </a:txBody>
+                  <a:tcPr/>
+                </a:tc>
+                <a:tc>
+                  <a:txBody>
+                    <a:bodyPr/>
+                    <a:lstStyle/>
+                    <a:p>
+                      <a:endParaRPr lang="zh-CN" altLang="en-US"/>
+                    </a:p>
+                  </a:txBody>
+                  <a:tcPr/>
+                </a:tc>
+              </a:tr>
+              <a:tr h="1177291">
+                <a:tc>
+                  <a:txBody>
+                    <a:bodyPr/>
+                    <a:lstStyle/>
+                    <a:p>
+                      <a:endParaRPr lang="zh-CN" altLang="en-US"/>
+                    </a:p>
+                  </a:txBody>
+                  <a:tcPr/>
+                </a:tc>
+                <a:tc>
+                  <a:txBody>
+                    <a:bodyPr/>
+                    <a:lstStyle/>
+                    <a:p>
+                      <a:endParaRPr lang="zh-CN" altLang="en-US"/>
+                    </a:p>
+                  </a:txBody>
+                  <a:tcPr/>
+                </a:tc>
+                <a:tc>
+                  <a:txBody>
+                    <a:bodyPr/>
+                    <a:lstStyle/>
+                    <a:p>
+                      <a:endParaRPr lang="zh-CN" altLang="en-US"/>
+                    </a:p>
+                  </a:txBody>
+                  <a:tcPr/>
+                </a:tc>
+                <a:tc>
+                  <a:txBody>
+                    <a:bodyPr/>
+                    <a:lstStyle/>
+                    <a:p>
+                      <a:endParaRPr lang="zh-CN" altLang="en-US" dirty="0"/>
+                    </a:p>
+                  </a:txBody>
+                  <a:tcPr/>
+                </a:tc>
+              </a:tr>
+            </a:tbl>
+          </a:graphicData>
+        </a:graphic>
+      </p:graphicFrame>
     </p:spTree>
     <p:extLst>
       <p:ext uri="{BB962C8B-B14F-4D97-AF65-F5344CB8AC3E}">
@@ -4022,6 +4959,208 @@
           </a:p>
         </p:txBody>
       </p:sp>
+      <p:graphicFrame>
+        <p:nvGraphicFramePr>
+          <p:cNvPr id="9" name="表格 8"/>
+          <p:cNvGraphicFramePr>
+            <a:graphicFrameLocks noGrp="1"/>
+          </p:cNvGraphicFramePr>
+          <p:nvPr>
+            <p:extLst>
+              <p:ext uri="{D42A27DB-BD31-4B8C-83A1-F6EECF244321}">
+                <p14:modId xmlns:p14="http://schemas.microsoft.com/office/powerpoint/2010/main" val="1179875014"/>
+              </p:ext>
+            </p:extLst>
+          </p:nvPr>
+        </p:nvGraphicFramePr>
+        <p:xfrm>
+          <a:off x="3698520" y="1074418"/>
+          <a:ext cx="4794960" cy="4709164"/>
+        </p:xfrm>
+        <a:graphic>
+          <a:graphicData uri="http://schemas.openxmlformats.org/drawingml/2006/table">
+            <a:tbl>
+              <a:tblPr firstRow="1" bandRow="1">
+                <a:tableStyleId>{5940675A-B579-460E-94D1-54222C63F5DA}</a:tableStyleId>
+              </a:tblPr>
+              <a:tblGrid>
+                <a:gridCol w="1198740"/>
+                <a:gridCol w="1198740"/>
+                <a:gridCol w="1198740"/>
+                <a:gridCol w="1198740"/>
+              </a:tblGrid>
+              <a:tr h="1177291">
+                <a:tc>
+                  <a:txBody>
+                    <a:bodyPr/>
+                    <a:lstStyle/>
+                    <a:p>
+                      <a:endParaRPr lang="zh-CN" altLang="en-US" dirty="0"/>
+                    </a:p>
+                  </a:txBody>
+                  <a:tcPr/>
+                </a:tc>
+                <a:tc>
+                  <a:txBody>
+                    <a:bodyPr/>
+                    <a:lstStyle/>
+                    <a:p>
+                      <a:endParaRPr lang="zh-CN" altLang="en-US"/>
+                    </a:p>
+                  </a:txBody>
+                  <a:tcPr/>
+                </a:tc>
+                <a:tc>
+                  <a:txBody>
+                    <a:bodyPr/>
+                    <a:lstStyle/>
+                    <a:p>
+                      <a:endParaRPr lang="zh-CN" altLang="en-US"/>
+                    </a:p>
+                  </a:txBody>
+                  <a:tcPr/>
+                </a:tc>
+                <a:tc>
+                  <a:txBody>
+                    <a:bodyPr/>
+                    <a:lstStyle/>
+                    <a:p>
+                      <a:endParaRPr lang="zh-CN" altLang="en-US"/>
+                    </a:p>
+                  </a:txBody>
+                  <a:tcPr/>
+                </a:tc>
+              </a:tr>
+              <a:tr h="1177291">
+                <a:tc>
+                  <a:txBody>
+                    <a:bodyPr/>
+                    <a:lstStyle/>
+                    <a:p>
+                      <a:endParaRPr lang="zh-CN" altLang="en-US"/>
+                    </a:p>
+                  </a:txBody>
+                  <a:tcPr/>
+                </a:tc>
+                <a:tc>
+                  <a:txBody>
+                    <a:bodyPr/>
+                    <a:lstStyle/>
+                    <a:p>
+                      <a:endParaRPr lang="zh-CN" altLang="en-US"/>
+                    </a:p>
+                  </a:txBody>
+                  <a:tcPr/>
+                </a:tc>
+                <a:tc>
+                  <a:txBody>
+                    <a:bodyPr/>
+                    <a:lstStyle/>
+                    <a:p>
+                      <a:endParaRPr lang="zh-CN" altLang="en-US"/>
+                    </a:p>
+                  </a:txBody>
+                  <a:tcPr/>
+                </a:tc>
+                <a:tc>
+                  <a:txBody>
+                    <a:bodyPr/>
+                    <a:lstStyle/>
+                    <a:p>
+                      <a:endParaRPr lang="zh-CN" altLang="en-US"/>
+                    </a:p>
+                  </a:txBody>
+                  <a:tcPr/>
+                </a:tc>
+              </a:tr>
+              <a:tr h="1177291">
+                <a:tc>
+                  <a:txBody>
+                    <a:bodyPr/>
+                    <a:lstStyle/>
+                    <a:p>
+                      <a:endParaRPr lang="zh-CN" altLang="en-US"/>
+                    </a:p>
+                  </a:txBody>
+                  <a:tcPr/>
+                </a:tc>
+                <a:tc>
+                  <a:txBody>
+                    <a:bodyPr/>
+                    <a:lstStyle/>
+                    <a:p>
+                      <a:endParaRPr lang="zh-CN" altLang="en-US"/>
+                    </a:p>
+                  </a:txBody>
+                  <a:tcPr/>
+                </a:tc>
+                <a:tc>
+                  <a:txBody>
+                    <a:bodyPr/>
+                    <a:lstStyle/>
+                    <a:p>
+                      <a:endParaRPr lang="zh-CN" altLang="en-US"/>
+                    </a:p>
+                  </a:txBody>
+                  <a:tcPr/>
+                </a:tc>
+                <a:tc>
+                  <a:txBody>
+                    <a:bodyPr/>
+                    <a:lstStyle/>
+                    <a:p>
+                      <a:endParaRPr lang="zh-CN" altLang="en-US"/>
+                    </a:p>
+                  </a:txBody>
+                  <a:tcPr/>
+                </a:tc>
+              </a:tr>
+              <a:tr h="1177291">
+                <a:tc>
+                  <a:txBody>
+                    <a:bodyPr/>
+                    <a:lstStyle/>
+                    <a:p>
+                      <a:endParaRPr lang="zh-CN" altLang="en-US"/>
+                    </a:p>
+                  </a:txBody>
+                  <a:tcPr/>
+                </a:tc>
+                <a:tc>
+                  <a:txBody>
+                    <a:bodyPr/>
+                    <a:lstStyle/>
+                    <a:p>
+                      <a:endParaRPr lang="zh-CN" altLang="en-US"/>
+                    </a:p>
+                  </a:txBody>
+                  <a:tcPr/>
+                </a:tc>
+                <a:tc>
+                  <a:txBody>
+                    <a:bodyPr/>
+                    <a:lstStyle/>
+                    <a:p>
+                      <a:endParaRPr lang="zh-CN" altLang="en-US"/>
+                    </a:p>
+                  </a:txBody>
+                  <a:tcPr/>
+                </a:tc>
+                <a:tc>
+                  <a:txBody>
+                    <a:bodyPr/>
+                    <a:lstStyle/>
+                    <a:p>
+                      <a:endParaRPr lang="zh-CN" altLang="en-US" dirty="0"/>
+                    </a:p>
+                  </a:txBody>
+                  <a:tcPr/>
+                </a:tc>
+              </a:tr>
+            </a:tbl>
+          </a:graphicData>
+        </a:graphic>
+      </p:graphicFrame>
     </p:spTree>
     <p:extLst>
       <p:ext uri="{BB962C8B-B14F-4D97-AF65-F5344CB8AC3E}">
@@ -4204,6 +5343,208 @@
           </a:p>
         </p:txBody>
       </p:sp>
+      <p:graphicFrame>
+        <p:nvGraphicFramePr>
+          <p:cNvPr id="9" name="表格 8"/>
+          <p:cNvGraphicFramePr>
+            <a:graphicFrameLocks noGrp="1"/>
+          </p:cNvGraphicFramePr>
+          <p:nvPr>
+            <p:extLst>
+              <p:ext uri="{D42A27DB-BD31-4B8C-83A1-F6EECF244321}">
+                <p14:modId xmlns:p14="http://schemas.microsoft.com/office/powerpoint/2010/main" val="1179875014"/>
+              </p:ext>
+            </p:extLst>
+          </p:nvPr>
+        </p:nvGraphicFramePr>
+        <p:xfrm>
+          <a:off x="3698520" y="1074418"/>
+          <a:ext cx="4794960" cy="4709164"/>
+        </p:xfrm>
+        <a:graphic>
+          <a:graphicData uri="http://schemas.openxmlformats.org/drawingml/2006/table">
+            <a:tbl>
+              <a:tblPr firstRow="1" bandRow="1">
+                <a:tableStyleId>{5940675A-B579-460E-94D1-54222C63F5DA}</a:tableStyleId>
+              </a:tblPr>
+              <a:tblGrid>
+                <a:gridCol w="1198740"/>
+                <a:gridCol w="1198740"/>
+                <a:gridCol w="1198740"/>
+                <a:gridCol w="1198740"/>
+              </a:tblGrid>
+              <a:tr h="1177291">
+                <a:tc>
+                  <a:txBody>
+                    <a:bodyPr/>
+                    <a:lstStyle/>
+                    <a:p>
+                      <a:endParaRPr lang="zh-CN" altLang="en-US" dirty="0"/>
+                    </a:p>
+                  </a:txBody>
+                  <a:tcPr/>
+                </a:tc>
+                <a:tc>
+                  <a:txBody>
+                    <a:bodyPr/>
+                    <a:lstStyle/>
+                    <a:p>
+                      <a:endParaRPr lang="zh-CN" altLang="en-US"/>
+                    </a:p>
+                  </a:txBody>
+                  <a:tcPr/>
+                </a:tc>
+                <a:tc>
+                  <a:txBody>
+                    <a:bodyPr/>
+                    <a:lstStyle/>
+                    <a:p>
+                      <a:endParaRPr lang="zh-CN" altLang="en-US"/>
+                    </a:p>
+                  </a:txBody>
+                  <a:tcPr/>
+                </a:tc>
+                <a:tc>
+                  <a:txBody>
+                    <a:bodyPr/>
+                    <a:lstStyle/>
+                    <a:p>
+                      <a:endParaRPr lang="zh-CN" altLang="en-US"/>
+                    </a:p>
+                  </a:txBody>
+                  <a:tcPr/>
+                </a:tc>
+              </a:tr>
+              <a:tr h="1177291">
+                <a:tc>
+                  <a:txBody>
+                    <a:bodyPr/>
+                    <a:lstStyle/>
+                    <a:p>
+                      <a:endParaRPr lang="zh-CN" altLang="en-US"/>
+                    </a:p>
+                  </a:txBody>
+                  <a:tcPr/>
+                </a:tc>
+                <a:tc>
+                  <a:txBody>
+                    <a:bodyPr/>
+                    <a:lstStyle/>
+                    <a:p>
+                      <a:endParaRPr lang="zh-CN" altLang="en-US"/>
+                    </a:p>
+                  </a:txBody>
+                  <a:tcPr/>
+                </a:tc>
+                <a:tc>
+                  <a:txBody>
+                    <a:bodyPr/>
+                    <a:lstStyle/>
+                    <a:p>
+                      <a:endParaRPr lang="zh-CN" altLang="en-US"/>
+                    </a:p>
+                  </a:txBody>
+                  <a:tcPr/>
+                </a:tc>
+                <a:tc>
+                  <a:txBody>
+                    <a:bodyPr/>
+                    <a:lstStyle/>
+                    <a:p>
+                      <a:endParaRPr lang="zh-CN" altLang="en-US"/>
+                    </a:p>
+                  </a:txBody>
+                  <a:tcPr/>
+                </a:tc>
+              </a:tr>
+              <a:tr h="1177291">
+                <a:tc>
+                  <a:txBody>
+                    <a:bodyPr/>
+                    <a:lstStyle/>
+                    <a:p>
+                      <a:endParaRPr lang="zh-CN" altLang="en-US"/>
+                    </a:p>
+                  </a:txBody>
+                  <a:tcPr/>
+                </a:tc>
+                <a:tc>
+                  <a:txBody>
+                    <a:bodyPr/>
+                    <a:lstStyle/>
+                    <a:p>
+                      <a:endParaRPr lang="zh-CN" altLang="en-US"/>
+                    </a:p>
+                  </a:txBody>
+                  <a:tcPr/>
+                </a:tc>
+                <a:tc>
+                  <a:txBody>
+                    <a:bodyPr/>
+                    <a:lstStyle/>
+                    <a:p>
+                      <a:endParaRPr lang="zh-CN" altLang="en-US"/>
+                    </a:p>
+                  </a:txBody>
+                  <a:tcPr/>
+                </a:tc>
+                <a:tc>
+                  <a:txBody>
+                    <a:bodyPr/>
+                    <a:lstStyle/>
+                    <a:p>
+                      <a:endParaRPr lang="zh-CN" altLang="en-US"/>
+                    </a:p>
+                  </a:txBody>
+                  <a:tcPr/>
+                </a:tc>
+              </a:tr>
+              <a:tr h="1177291">
+                <a:tc>
+                  <a:txBody>
+                    <a:bodyPr/>
+                    <a:lstStyle/>
+                    <a:p>
+                      <a:endParaRPr lang="zh-CN" altLang="en-US"/>
+                    </a:p>
+                  </a:txBody>
+                  <a:tcPr/>
+                </a:tc>
+                <a:tc>
+                  <a:txBody>
+                    <a:bodyPr/>
+                    <a:lstStyle/>
+                    <a:p>
+                      <a:endParaRPr lang="zh-CN" altLang="en-US"/>
+                    </a:p>
+                  </a:txBody>
+                  <a:tcPr/>
+                </a:tc>
+                <a:tc>
+                  <a:txBody>
+                    <a:bodyPr/>
+                    <a:lstStyle/>
+                    <a:p>
+                      <a:endParaRPr lang="zh-CN" altLang="en-US"/>
+                    </a:p>
+                  </a:txBody>
+                  <a:tcPr/>
+                </a:tc>
+                <a:tc>
+                  <a:txBody>
+                    <a:bodyPr/>
+                    <a:lstStyle/>
+                    <a:p>
+                      <a:endParaRPr lang="zh-CN" altLang="en-US" dirty="0"/>
+                    </a:p>
+                  </a:txBody>
+                  <a:tcPr/>
+                </a:tc>
+              </a:tr>
+            </a:tbl>
+          </a:graphicData>
+        </a:graphic>
+      </p:graphicFrame>
     </p:spTree>
     <p:extLst>
       <p:ext uri="{BB962C8B-B14F-4D97-AF65-F5344CB8AC3E}">
@@ -4386,6 +5727,208 @@
           </a:p>
         </p:txBody>
       </p:sp>
+      <p:graphicFrame>
+        <p:nvGraphicFramePr>
+          <p:cNvPr id="9" name="表格 8"/>
+          <p:cNvGraphicFramePr>
+            <a:graphicFrameLocks noGrp="1"/>
+          </p:cNvGraphicFramePr>
+          <p:nvPr>
+            <p:extLst>
+              <p:ext uri="{D42A27DB-BD31-4B8C-83A1-F6EECF244321}">
+                <p14:modId xmlns:p14="http://schemas.microsoft.com/office/powerpoint/2010/main" val="1179875014"/>
+              </p:ext>
+            </p:extLst>
+          </p:nvPr>
+        </p:nvGraphicFramePr>
+        <p:xfrm>
+          <a:off x="3698520" y="1074418"/>
+          <a:ext cx="4794960" cy="4709164"/>
+        </p:xfrm>
+        <a:graphic>
+          <a:graphicData uri="http://schemas.openxmlformats.org/drawingml/2006/table">
+            <a:tbl>
+              <a:tblPr firstRow="1" bandRow="1">
+                <a:tableStyleId>{5940675A-B579-460E-94D1-54222C63F5DA}</a:tableStyleId>
+              </a:tblPr>
+              <a:tblGrid>
+                <a:gridCol w="1198740"/>
+                <a:gridCol w="1198740"/>
+                <a:gridCol w="1198740"/>
+                <a:gridCol w="1198740"/>
+              </a:tblGrid>
+              <a:tr h="1177291">
+                <a:tc>
+                  <a:txBody>
+                    <a:bodyPr/>
+                    <a:lstStyle/>
+                    <a:p>
+                      <a:endParaRPr lang="zh-CN" altLang="en-US" dirty="0"/>
+                    </a:p>
+                  </a:txBody>
+                  <a:tcPr/>
+                </a:tc>
+                <a:tc>
+                  <a:txBody>
+                    <a:bodyPr/>
+                    <a:lstStyle/>
+                    <a:p>
+                      <a:endParaRPr lang="zh-CN" altLang="en-US"/>
+                    </a:p>
+                  </a:txBody>
+                  <a:tcPr/>
+                </a:tc>
+                <a:tc>
+                  <a:txBody>
+                    <a:bodyPr/>
+                    <a:lstStyle/>
+                    <a:p>
+                      <a:endParaRPr lang="zh-CN" altLang="en-US"/>
+                    </a:p>
+                  </a:txBody>
+                  <a:tcPr/>
+                </a:tc>
+                <a:tc>
+                  <a:txBody>
+                    <a:bodyPr/>
+                    <a:lstStyle/>
+                    <a:p>
+                      <a:endParaRPr lang="zh-CN" altLang="en-US"/>
+                    </a:p>
+                  </a:txBody>
+                  <a:tcPr/>
+                </a:tc>
+              </a:tr>
+              <a:tr h="1177291">
+                <a:tc>
+                  <a:txBody>
+                    <a:bodyPr/>
+                    <a:lstStyle/>
+                    <a:p>
+                      <a:endParaRPr lang="zh-CN" altLang="en-US"/>
+                    </a:p>
+                  </a:txBody>
+                  <a:tcPr/>
+                </a:tc>
+                <a:tc>
+                  <a:txBody>
+                    <a:bodyPr/>
+                    <a:lstStyle/>
+                    <a:p>
+                      <a:endParaRPr lang="zh-CN" altLang="en-US"/>
+                    </a:p>
+                  </a:txBody>
+                  <a:tcPr/>
+                </a:tc>
+                <a:tc>
+                  <a:txBody>
+                    <a:bodyPr/>
+                    <a:lstStyle/>
+                    <a:p>
+                      <a:endParaRPr lang="zh-CN" altLang="en-US"/>
+                    </a:p>
+                  </a:txBody>
+                  <a:tcPr/>
+                </a:tc>
+                <a:tc>
+                  <a:txBody>
+                    <a:bodyPr/>
+                    <a:lstStyle/>
+                    <a:p>
+                      <a:endParaRPr lang="zh-CN" altLang="en-US"/>
+                    </a:p>
+                  </a:txBody>
+                  <a:tcPr/>
+                </a:tc>
+              </a:tr>
+              <a:tr h="1177291">
+                <a:tc>
+                  <a:txBody>
+                    <a:bodyPr/>
+                    <a:lstStyle/>
+                    <a:p>
+                      <a:endParaRPr lang="zh-CN" altLang="en-US"/>
+                    </a:p>
+                  </a:txBody>
+                  <a:tcPr/>
+                </a:tc>
+                <a:tc>
+                  <a:txBody>
+                    <a:bodyPr/>
+                    <a:lstStyle/>
+                    <a:p>
+                      <a:endParaRPr lang="zh-CN" altLang="en-US"/>
+                    </a:p>
+                  </a:txBody>
+                  <a:tcPr/>
+                </a:tc>
+                <a:tc>
+                  <a:txBody>
+                    <a:bodyPr/>
+                    <a:lstStyle/>
+                    <a:p>
+                      <a:endParaRPr lang="zh-CN" altLang="en-US"/>
+                    </a:p>
+                  </a:txBody>
+                  <a:tcPr/>
+                </a:tc>
+                <a:tc>
+                  <a:txBody>
+                    <a:bodyPr/>
+                    <a:lstStyle/>
+                    <a:p>
+                      <a:endParaRPr lang="zh-CN" altLang="en-US"/>
+                    </a:p>
+                  </a:txBody>
+                  <a:tcPr/>
+                </a:tc>
+              </a:tr>
+              <a:tr h="1177291">
+                <a:tc>
+                  <a:txBody>
+                    <a:bodyPr/>
+                    <a:lstStyle/>
+                    <a:p>
+                      <a:endParaRPr lang="zh-CN" altLang="en-US"/>
+                    </a:p>
+                  </a:txBody>
+                  <a:tcPr/>
+                </a:tc>
+                <a:tc>
+                  <a:txBody>
+                    <a:bodyPr/>
+                    <a:lstStyle/>
+                    <a:p>
+                      <a:endParaRPr lang="zh-CN" altLang="en-US"/>
+                    </a:p>
+                  </a:txBody>
+                  <a:tcPr/>
+                </a:tc>
+                <a:tc>
+                  <a:txBody>
+                    <a:bodyPr/>
+                    <a:lstStyle/>
+                    <a:p>
+                      <a:endParaRPr lang="zh-CN" altLang="en-US"/>
+                    </a:p>
+                  </a:txBody>
+                  <a:tcPr/>
+                </a:tc>
+                <a:tc>
+                  <a:txBody>
+                    <a:bodyPr/>
+                    <a:lstStyle/>
+                    <a:p>
+                      <a:endParaRPr lang="zh-CN" altLang="en-US" dirty="0"/>
+                    </a:p>
+                  </a:txBody>
+                  <a:tcPr/>
+                </a:tc>
+              </a:tr>
+            </a:tbl>
+          </a:graphicData>
+        </a:graphic>
+      </p:graphicFrame>
     </p:spTree>
     <p:extLst>
       <p:ext uri="{BB962C8B-B14F-4D97-AF65-F5344CB8AC3E}">
@@ -4568,6 +6111,208 @@
           </a:p>
         </p:txBody>
       </p:sp>
+      <p:graphicFrame>
+        <p:nvGraphicFramePr>
+          <p:cNvPr id="9" name="表格 8"/>
+          <p:cNvGraphicFramePr>
+            <a:graphicFrameLocks noGrp="1"/>
+          </p:cNvGraphicFramePr>
+          <p:nvPr>
+            <p:extLst>
+              <p:ext uri="{D42A27DB-BD31-4B8C-83A1-F6EECF244321}">
+                <p14:modId xmlns:p14="http://schemas.microsoft.com/office/powerpoint/2010/main" val="1179875014"/>
+              </p:ext>
+            </p:extLst>
+          </p:nvPr>
+        </p:nvGraphicFramePr>
+        <p:xfrm>
+          <a:off x="3698520" y="1074418"/>
+          <a:ext cx="4794960" cy="4709164"/>
+        </p:xfrm>
+        <a:graphic>
+          <a:graphicData uri="http://schemas.openxmlformats.org/drawingml/2006/table">
+            <a:tbl>
+              <a:tblPr firstRow="1" bandRow="1">
+                <a:tableStyleId>{5940675A-B579-460E-94D1-54222C63F5DA}</a:tableStyleId>
+              </a:tblPr>
+              <a:tblGrid>
+                <a:gridCol w="1198740"/>
+                <a:gridCol w="1198740"/>
+                <a:gridCol w="1198740"/>
+                <a:gridCol w="1198740"/>
+              </a:tblGrid>
+              <a:tr h="1177291">
+                <a:tc>
+                  <a:txBody>
+                    <a:bodyPr/>
+                    <a:lstStyle/>
+                    <a:p>
+                      <a:endParaRPr lang="zh-CN" altLang="en-US" dirty="0"/>
+                    </a:p>
+                  </a:txBody>
+                  <a:tcPr/>
+                </a:tc>
+                <a:tc>
+                  <a:txBody>
+                    <a:bodyPr/>
+                    <a:lstStyle/>
+                    <a:p>
+                      <a:endParaRPr lang="zh-CN" altLang="en-US"/>
+                    </a:p>
+                  </a:txBody>
+                  <a:tcPr/>
+                </a:tc>
+                <a:tc>
+                  <a:txBody>
+                    <a:bodyPr/>
+                    <a:lstStyle/>
+                    <a:p>
+                      <a:endParaRPr lang="zh-CN" altLang="en-US"/>
+                    </a:p>
+                  </a:txBody>
+                  <a:tcPr/>
+                </a:tc>
+                <a:tc>
+                  <a:txBody>
+                    <a:bodyPr/>
+                    <a:lstStyle/>
+                    <a:p>
+                      <a:endParaRPr lang="zh-CN" altLang="en-US"/>
+                    </a:p>
+                  </a:txBody>
+                  <a:tcPr/>
+                </a:tc>
+              </a:tr>
+              <a:tr h="1177291">
+                <a:tc>
+                  <a:txBody>
+                    <a:bodyPr/>
+                    <a:lstStyle/>
+                    <a:p>
+                      <a:endParaRPr lang="zh-CN" altLang="en-US"/>
+                    </a:p>
+                  </a:txBody>
+                  <a:tcPr/>
+                </a:tc>
+                <a:tc>
+                  <a:txBody>
+                    <a:bodyPr/>
+                    <a:lstStyle/>
+                    <a:p>
+                      <a:endParaRPr lang="zh-CN" altLang="en-US"/>
+                    </a:p>
+                  </a:txBody>
+                  <a:tcPr/>
+                </a:tc>
+                <a:tc>
+                  <a:txBody>
+                    <a:bodyPr/>
+                    <a:lstStyle/>
+                    <a:p>
+                      <a:endParaRPr lang="zh-CN" altLang="en-US"/>
+                    </a:p>
+                  </a:txBody>
+                  <a:tcPr/>
+                </a:tc>
+                <a:tc>
+                  <a:txBody>
+                    <a:bodyPr/>
+                    <a:lstStyle/>
+                    <a:p>
+                      <a:endParaRPr lang="zh-CN" altLang="en-US"/>
+                    </a:p>
+                  </a:txBody>
+                  <a:tcPr/>
+                </a:tc>
+              </a:tr>
+              <a:tr h="1177291">
+                <a:tc>
+                  <a:txBody>
+                    <a:bodyPr/>
+                    <a:lstStyle/>
+                    <a:p>
+                      <a:endParaRPr lang="zh-CN" altLang="en-US"/>
+                    </a:p>
+                  </a:txBody>
+                  <a:tcPr/>
+                </a:tc>
+                <a:tc>
+                  <a:txBody>
+                    <a:bodyPr/>
+                    <a:lstStyle/>
+                    <a:p>
+                      <a:endParaRPr lang="zh-CN" altLang="en-US"/>
+                    </a:p>
+                  </a:txBody>
+                  <a:tcPr/>
+                </a:tc>
+                <a:tc>
+                  <a:txBody>
+                    <a:bodyPr/>
+                    <a:lstStyle/>
+                    <a:p>
+                      <a:endParaRPr lang="zh-CN" altLang="en-US"/>
+                    </a:p>
+                  </a:txBody>
+                  <a:tcPr/>
+                </a:tc>
+                <a:tc>
+                  <a:txBody>
+                    <a:bodyPr/>
+                    <a:lstStyle/>
+                    <a:p>
+                      <a:endParaRPr lang="zh-CN" altLang="en-US"/>
+                    </a:p>
+                  </a:txBody>
+                  <a:tcPr/>
+                </a:tc>
+              </a:tr>
+              <a:tr h="1177291">
+                <a:tc>
+                  <a:txBody>
+                    <a:bodyPr/>
+                    <a:lstStyle/>
+                    <a:p>
+                      <a:endParaRPr lang="zh-CN" altLang="en-US"/>
+                    </a:p>
+                  </a:txBody>
+                  <a:tcPr/>
+                </a:tc>
+                <a:tc>
+                  <a:txBody>
+                    <a:bodyPr/>
+                    <a:lstStyle/>
+                    <a:p>
+                      <a:endParaRPr lang="zh-CN" altLang="en-US"/>
+                    </a:p>
+                  </a:txBody>
+                  <a:tcPr/>
+                </a:tc>
+                <a:tc>
+                  <a:txBody>
+                    <a:bodyPr/>
+                    <a:lstStyle/>
+                    <a:p>
+                      <a:endParaRPr lang="zh-CN" altLang="en-US"/>
+                    </a:p>
+                  </a:txBody>
+                  <a:tcPr/>
+                </a:tc>
+                <a:tc>
+                  <a:txBody>
+                    <a:bodyPr/>
+                    <a:lstStyle/>
+                    <a:p>
+                      <a:endParaRPr lang="zh-CN" altLang="en-US" dirty="0"/>
+                    </a:p>
+                  </a:txBody>
+                  <a:tcPr/>
+                </a:tc>
+              </a:tr>
+            </a:tbl>
+          </a:graphicData>
+        </a:graphic>
+      </p:graphicFrame>
     </p:spTree>
     <p:extLst>
       <p:ext uri="{BB962C8B-B14F-4D97-AF65-F5344CB8AC3E}">
@@ -4598,6 +6343,208 @@
           <a:chExt cx="0" cy="0"/>
         </a:xfrm>
       </p:grpSpPr>
+      <p:graphicFrame>
+        <p:nvGraphicFramePr>
+          <p:cNvPr id="2" name="表格 1"/>
+          <p:cNvGraphicFramePr>
+            <a:graphicFrameLocks noGrp="1"/>
+          </p:cNvGraphicFramePr>
+          <p:nvPr>
+            <p:extLst>
+              <p:ext uri="{D42A27DB-BD31-4B8C-83A1-F6EECF244321}">
+                <p14:modId xmlns:p14="http://schemas.microsoft.com/office/powerpoint/2010/main" val="398603340"/>
+              </p:ext>
+            </p:extLst>
+          </p:nvPr>
+        </p:nvGraphicFramePr>
+        <p:xfrm>
+          <a:off x="3698520" y="1074418"/>
+          <a:ext cx="4794960" cy="4709164"/>
+        </p:xfrm>
+        <a:graphic>
+          <a:graphicData uri="http://schemas.openxmlformats.org/drawingml/2006/table">
+            <a:tbl>
+              <a:tblPr firstRow="1" bandRow="1">
+                <a:tableStyleId>{5940675A-B579-460E-94D1-54222C63F5DA}</a:tableStyleId>
+              </a:tblPr>
+              <a:tblGrid>
+                <a:gridCol w="1198740"/>
+                <a:gridCol w="1198740"/>
+                <a:gridCol w="1198740"/>
+                <a:gridCol w="1198740"/>
+              </a:tblGrid>
+              <a:tr h="1177291">
+                <a:tc>
+                  <a:txBody>
+                    <a:bodyPr/>
+                    <a:lstStyle/>
+                    <a:p>
+                      <a:endParaRPr lang="zh-CN" altLang="en-US" dirty="0"/>
+                    </a:p>
+                  </a:txBody>
+                  <a:tcPr/>
+                </a:tc>
+                <a:tc>
+                  <a:txBody>
+                    <a:bodyPr/>
+                    <a:lstStyle/>
+                    <a:p>
+                      <a:endParaRPr lang="zh-CN" altLang="en-US"/>
+                    </a:p>
+                  </a:txBody>
+                  <a:tcPr/>
+                </a:tc>
+                <a:tc>
+                  <a:txBody>
+                    <a:bodyPr/>
+                    <a:lstStyle/>
+                    <a:p>
+                      <a:endParaRPr lang="zh-CN" altLang="en-US"/>
+                    </a:p>
+                  </a:txBody>
+                  <a:tcPr/>
+                </a:tc>
+                <a:tc>
+                  <a:txBody>
+                    <a:bodyPr/>
+                    <a:lstStyle/>
+                    <a:p>
+                      <a:endParaRPr lang="zh-CN" altLang="en-US"/>
+                    </a:p>
+                  </a:txBody>
+                  <a:tcPr/>
+                </a:tc>
+              </a:tr>
+              <a:tr h="1177291">
+                <a:tc>
+                  <a:txBody>
+                    <a:bodyPr/>
+                    <a:lstStyle/>
+                    <a:p>
+                      <a:endParaRPr lang="zh-CN" altLang="en-US"/>
+                    </a:p>
+                  </a:txBody>
+                  <a:tcPr/>
+                </a:tc>
+                <a:tc>
+                  <a:txBody>
+                    <a:bodyPr/>
+                    <a:lstStyle/>
+                    <a:p>
+                      <a:endParaRPr lang="zh-CN" altLang="en-US"/>
+                    </a:p>
+                  </a:txBody>
+                  <a:tcPr/>
+                </a:tc>
+                <a:tc>
+                  <a:txBody>
+                    <a:bodyPr/>
+                    <a:lstStyle/>
+                    <a:p>
+                      <a:endParaRPr lang="zh-CN" altLang="en-US"/>
+                    </a:p>
+                  </a:txBody>
+                  <a:tcPr/>
+                </a:tc>
+                <a:tc>
+                  <a:txBody>
+                    <a:bodyPr/>
+                    <a:lstStyle/>
+                    <a:p>
+                      <a:endParaRPr lang="zh-CN" altLang="en-US"/>
+                    </a:p>
+                  </a:txBody>
+                  <a:tcPr/>
+                </a:tc>
+              </a:tr>
+              <a:tr h="1177291">
+                <a:tc>
+                  <a:txBody>
+                    <a:bodyPr/>
+                    <a:lstStyle/>
+                    <a:p>
+                      <a:endParaRPr lang="zh-CN" altLang="en-US"/>
+                    </a:p>
+                  </a:txBody>
+                  <a:tcPr/>
+                </a:tc>
+                <a:tc>
+                  <a:txBody>
+                    <a:bodyPr/>
+                    <a:lstStyle/>
+                    <a:p>
+                      <a:endParaRPr lang="zh-CN" altLang="en-US"/>
+                    </a:p>
+                  </a:txBody>
+                  <a:tcPr/>
+                </a:tc>
+                <a:tc>
+                  <a:txBody>
+                    <a:bodyPr/>
+                    <a:lstStyle/>
+                    <a:p>
+                      <a:endParaRPr lang="zh-CN" altLang="en-US"/>
+                    </a:p>
+                  </a:txBody>
+                  <a:tcPr/>
+                </a:tc>
+                <a:tc>
+                  <a:txBody>
+                    <a:bodyPr/>
+                    <a:lstStyle/>
+                    <a:p>
+                      <a:endParaRPr lang="zh-CN" altLang="en-US"/>
+                    </a:p>
+                  </a:txBody>
+                  <a:tcPr/>
+                </a:tc>
+              </a:tr>
+              <a:tr h="1177291">
+                <a:tc>
+                  <a:txBody>
+                    <a:bodyPr/>
+                    <a:lstStyle/>
+                    <a:p>
+                      <a:endParaRPr lang="zh-CN" altLang="en-US"/>
+                    </a:p>
+                  </a:txBody>
+                  <a:tcPr/>
+                </a:tc>
+                <a:tc>
+                  <a:txBody>
+                    <a:bodyPr/>
+                    <a:lstStyle/>
+                    <a:p>
+                      <a:endParaRPr lang="zh-CN" altLang="en-US"/>
+                    </a:p>
+                  </a:txBody>
+                  <a:tcPr/>
+                </a:tc>
+                <a:tc>
+                  <a:txBody>
+                    <a:bodyPr/>
+                    <a:lstStyle/>
+                    <a:p>
+                      <a:endParaRPr lang="zh-CN" altLang="en-US"/>
+                    </a:p>
+                  </a:txBody>
+                  <a:tcPr/>
+                </a:tc>
+                <a:tc>
+                  <a:txBody>
+                    <a:bodyPr/>
+                    <a:lstStyle/>
+                    <a:p>
+                      <a:endParaRPr lang="zh-CN" altLang="en-US" dirty="0"/>
+                    </a:p>
+                  </a:txBody>
+                  <a:tcPr/>
+                </a:tc>
+              </a:tr>
+            </a:tbl>
+          </a:graphicData>
+        </a:graphic>
+      </p:graphicFrame>
       <p:sp>
         <p:nvSpPr>
           <p:cNvPr id="6" name="椭圆 5"/>
@@ -4632,7 +6579,11 @@
           <a:lstStyle/>
           <a:p>
             <a:pPr algn="ctr"/>
-            <a:endParaRPr kumimoji="1" lang="zh-CN" altLang="en-US"/>
+            <a:r>
+              <a:rPr kumimoji="1" lang="en-US" altLang="zh-CN" sz="2800" dirty="0" smtClean="0"/>
+              <a:t>N</a:t>
+            </a:r>
+            <a:endParaRPr kumimoji="1" lang="zh-CN" altLang="en-US" sz="2800" dirty="0"/>
           </a:p>
         </p:txBody>
       </p:sp>
@@ -4670,7 +6621,11 @@
           <a:lstStyle/>
           <a:p>
             <a:pPr algn="ctr"/>
-            <a:endParaRPr kumimoji="1" lang="zh-CN" altLang="en-US"/>
+            <a:r>
+              <a:rPr kumimoji="1" lang="en-US" altLang="zh-CN" sz="2800" dirty="0" smtClean="0"/>
+              <a:t>M</a:t>
+            </a:r>
+            <a:endParaRPr kumimoji="1" lang="zh-CN" altLang="en-US" sz="2800" dirty="0"/>
           </a:p>
         </p:txBody>
       </p:sp>
@@ -4708,7 +6663,11 @@
           <a:lstStyle/>
           <a:p>
             <a:pPr algn="ctr"/>
-            <a:endParaRPr kumimoji="1" lang="zh-CN" altLang="en-US"/>
+            <a:r>
+              <a:rPr kumimoji="1" lang="en-US" altLang="zh-CN" sz="2800" dirty="0" smtClean="0"/>
+              <a:t>P</a:t>
+            </a:r>
+            <a:endParaRPr kumimoji="1" lang="zh-CN" altLang="en-US" sz="2800" dirty="0"/>
           </a:p>
         </p:txBody>
       </p:sp>
@@ -4746,7 +6705,11 @@
           <a:lstStyle/>
           <a:p>
             <a:pPr algn="ctr"/>
-            <a:endParaRPr kumimoji="1" lang="zh-CN" altLang="en-US"/>
+            <a:r>
+              <a:rPr kumimoji="1" lang="en-US" altLang="zh-CN" sz="2800" dirty="0" smtClean="0"/>
+              <a:t>O</a:t>
+            </a:r>
+            <a:endParaRPr kumimoji="1" lang="zh-CN" altLang="en-US" sz="2800" dirty="0"/>
           </a:p>
         </p:txBody>
       </p:sp>
@@ -4784,7 +6747,11 @@
           <a:lstStyle/>
           <a:p>
             <a:pPr algn="ctr"/>
-            <a:endParaRPr kumimoji="1" lang="zh-CN" altLang="en-US"/>
+            <a:r>
+              <a:rPr kumimoji="1" lang="en-US" altLang="zh-CN" sz="2800" dirty="0" smtClean="0"/>
+              <a:t>J</a:t>
+            </a:r>
+            <a:endParaRPr kumimoji="1" lang="zh-CN" altLang="en-US" sz="2800" dirty="0"/>
           </a:p>
         </p:txBody>
       </p:sp>
@@ -4822,7 +6789,11 @@
           <a:lstStyle/>
           <a:p>
             <a:pPr algn="ctr"/>
-            <a:endParaRPr kumimoji="1" lang="zh-CN" altLang="en-US"/>
+            <a:r>
+              <a:rPr kumimoji="1" lang="en-US" altLang="zh-CN" sz="2800" dirty="0" smtClean="0"/>
+              <a:t>I</a:t>
+            </a:r>
+            <a:endParaRPr kumimoji="1" lang="zh-CN" altLang="en-US" sz="2800" dirty="0"/>
           </a:p>
         </p:txBody>
       </p:sp>
@@ -4860,7 +6831,11 @@
           <a:lstStyle/>
           <a:p>
             <a:pPr algn="ctr"/>
-            <a:endParaRPr kumimoji="1" lang="zh-CN" altLang="en-US"/>
+            <a:r>
+              <a:rPr kumimoji="1" lang="en-US" altLang="zh-CN" sz="2800" dirty="0" smtClean="0"/>
+              <a:t>L</a:t>
+            </a:r>
+            <a:endParaRPr kumimoji="1" lang="zh-CN" altLang="en-US" sz="2800" dirty="0"/>
           </a:p>
         </p:txBody>
       </p:sp>
@@ -4898,7 +6873,11 @@
           <a:lstStyle/>
           <a:p>
             <a:pPr algn="ctr"/>
-            <a:endParaRPr kumimoji="1" lang="zh-CN" altLang="en-US"/>
+            <a:r>
+              <a:rPr kumimoji="1" lang="en-US" altLang="zh-CN" sz="2800" dirty="0" smtClean="0"/>
+              <a:t>K</a:t>
+            </a:r>
+            <a:endParaRPr kumimoji="1" lang="zh-CN" altLang="en-US" sz="2800" dirty="0"/>
           </a:p>
         </p:txBody>
       </p:sp>
@@ -4936,7 +6915,11 @@
           <a:lstStyle/>
           <a:p>
             <a:pPr algn="ctr"/>
-            <a:endParaRPr kumimoji="1" lang="zh-CN" altLang="en-US"/>
+            <a:r>
+              <a:rPr kumimoji="1" lang="en-US" altLang="zh-CN" sz="2800" dirty="0" smtClean="0"/>
+              <a:t>F</a:t>
+            </a:r>
+            <a:endParaRPr kumimoji="1" lang="zh-CN" altLang="en-US" sz="2800" dirty="0"/>
           </a:p>
         </p:txBody>
       </p:sp>
@@ -4974,7 +6957,11 @@
           <a:lstStyle/>
           <a:p>
             <a:pPr algn="ctr"/>
-            <a:endParaRPr kumimoji="1" lang="zh-CN" altLang="en-US"/>
+            <a:r>
+              <a:rPr kumimoji="1" lang="en-US" altLang="zh-CN" sz="2800" dirty="0" smtClean="0"/>
+              <a:t>E</a:t>
+            </a:r>
+            <a:endParaRPr kumimoji="1" lang="zh-CN" altLang="en-US" sz="2800" dirty="0"/>
           </a:p>
         </p:txBody>
       </p:sp>
@@ -5012,7 +6999,11 @@
           <a:lstStyle/>
           <a:p>
             <a:pPr algn="ctr"/>
-            <a:endParaRPr kumimoji="1" lang="zh-CN" altLang="en-US"/>
+            <a:r>
+              <a:rPr kumimoji="1" lang="en-US" altLang="zh-CN" sz="2800" dirty="0" smtClean="0"/>
+              <a:t>H</a:t>
+            </a:r>
+            <a:endParaRPr kumimoji="1" lang="zh-CN" altLang="en-US" sz="2800" dirty="0"/>
           </a:p>
         </p:txBody>
       </p:sp>
@@ -5050,7 +7041,11 @@
           <a:lstStyle/>
           <a:p>
             <a:pPr algn="ctr"/>
-            <a:endParaRPr kumimoji="1" lang="zh-CN" altLang="en-US"/>
+            <a:r>
+              <a:rPr kumimoji="1" lang="en-US" altLang="zh-CN" sz="2800" dirty="0" smtClean="0"/>
+              <a:t>G</a:t>
+            </a:r>
+            <a:endParaRPr kumimoji="1" lang="zh-CN" altLang="en-US" sz="2800" dirty="0"/>
           </a:p>
         </p:txBody>
       </p:sp>
@@ -5088,7 +7083,11 @@
           <a:lstStyle/>
           <a:p>
             <a:pPr algn="ctr"/>
-            <a:endParaRPr kumimoji="1" lang="zh-CN" altLang="en-US"/>
+            <a:r>
+              <a:rPr kumimoji="1" lang="en-US" altLang="zh-CN" sz="2800" dirty="0" smtClean="0"/>
+              <a:t>B</a:t>
+            </a:r>
+            <a:endParaRPr kumimoji="1" lang="zh-CN" altLang="en-US" sz="2800" dirty="0"/>
           </a:p>
         </p:txBody>
       </p:sp>
@@ -5126,7 +7125,11 @@
           <a:lstStyle/>
           <a:p>
             <a:pPr algn="ctr"/>
-            <a:endParaRPr kumimoji="1" lang="zh-CN" altLang="en-US"/>
+            <a:r>
+              <a:rPr kumimoji="1" lang="en-US" altLang="zh-CN" sz="2800" dirty="0"/>
+              <a:t>A</a:t>
+            </a:r>
+            <a:endParaRPr kumimoji="1" lang="zh-CN" altLang="en-US" sz="2800" dirty="0"/>
           </a:p>
         </p:txBody>
       </p:sp>
@@ -5164,7 +7167,11 @@
           <a:lstStyle/>
           <a:p>
             <a:pPr algn="ctr"/>
-            <a:endParaRPr kumimoji="1" lang="zh-CN" altLang="en-US"/>
+            <a:r>
+              <a:rPr kumimoji="1" lang="en-US" altLang="zh-CN" sz="2800" dirty="0" smtClean="0"/>
+              <a:t>D</a:t>
+            </a:r>
+            <a:endParaRPr kumimoji="1" lang="zh-CN" altLang="en-US" sz="2800" dirty="0"/>
           </a:p>
         </p:txBody>
       </p:sp>
@@ -5202,7 +7209,11 @@
           <a:lstStyle/>
           <a:p>
             <a:pPr algn="ctr"/>
-            <a:endParaRPr kumimoji="1" lang="zh-CN" altLang="en-US"/>
+            <a:r>
+              <a:rPr kumimoji="1" lang="en-US" altLang="zh-CN" sz="2800" dirty="0" smtClean="0"/>
+              <a:t>C</a:t>
+            </a:r>
+            <a:endParaRPr kumimoji="1" lang="zh-CN" altLang="en-US" sz="2800" dirty="0"/>
           </a:p>
         </p:txBody>
       </p:sp>
@@ -5675,6 +7686,135 @@
           </a:p>
         </p:txBody>
       </p:sp>
+      <p:graphicFrame>
+        <p:nvGraphicFramePr>
+          <p:cNvPr id="5" name="表格 4"/>
+          <p:cNvGraphicFramePr>
+            <a:graphicFrameLocks noGrp="1"/>
+          </p:cNvGraphicFramePr>
+          <p:nvPr>
+            <p:extLst>
+              <p:ext uri="{D42A27DB-BD31-4B8C-83A1-F6EECF244321}">
+                <p14:modId xmlns:p14="http://schemas.microsoft.com/office/powerpoint/2010/main" val="633802444"/>
+              </p:ext>
+            </p:extLst>
+          </p:nvPr>
+        </p:nvGraphicFramePr>
+        <p:xfrm>
+          <a:off x="3396000" y="729000"/>
+          <a:ext cx="5400000" cy="5400000"/>
+        </p:xfrm>
+        <a:graphic>
+          <a:graphicData uri="http://schemas.openxmlformats.org/drawingml/2006/table">
+            <a:tbl>
+              <a:tblPr firstRow="1" bandRow="1">
+                <a:tableStyleId>{5940675A-B579-460E-94D1-54222C63F5DA}</a:tableStyleId>
+              </a:tblPr>
+              <a:tblGrid>
+                <a:gridCol w="1800000"/>
+                <a:gridCol w="1800000"/>
+                <a:gridCol w="1800000"/>
+              </a:tblGrid>
+              <a:tr h="1800000">
+                <a:tc>
+                  <a:txBody>
+                    <a:bodyPr/>
+                    <a:lstStyle/>
+                    <a:p>
+                      <a:endParaRPr lang="zh-CN" altLang="en-US" dirty="0"/>
+                    </a:p>
+                  </a:txBody>
+                  <a:tcPr/>
+                </a:tc>
+                <a:tc>
+                  <a:txBody>
+                    <a:bodyPr/>
+                    <a:lstStyle/>
+                    <a:p>
+                      <a:endParaRPr lang="zh-CN" altLang="en-US"/>
+                    </a:p>
+                  </a:txBody>
+                  <a:tcPr/>
+                </a:tc>
+                <a:tc>
+                  <a:txBody>
+                    <a:bodyPr/>
+                    <a:lstStyle/>
+                    <a:p>
+                      <a:endParaRPr lang="zh-CN" altLang="en-US"/>
+                    </a:p>
+                  </a:txBody>
+                  <a:tcPr/>
+                </a:tc>
+              </a:tr>
+              <a:tr h="1800000">
+                <a:tc>
+                  <a:txBody>
+                    <a:bodyPr/>
+                    <a:lstStyle/>
+                    <a:p>
+                      <a:endParaRPr lang="zh-CN" altLang="en-US"/>
+                    </a:p>
+                  </a:txBody>
+                  <a:tcPr/>
+                </a:tc>
+                <a:tc>
+                  <a:txBody>
+                    <a:bodyPr/>
+                    <a:lstStyle/>
+                    <a:p>
+                      <a:endParaRPr lang="zh-CN" altLang="en-US"/>
+                    </a:p>
+                  </a:txBody>
+                  <a:tcPr/>
+                </a:tc>
+                <a:tc>
+                  <a:txBody>
+                    <a:bodyPr/>
+                    <a:lstStyle/>
+                    <a:p>
+                      <a:endParaRPr lang="zh-CN" altLang="en-US"/>
+                    </a:p>
+                  </a:txBody>
+                  <a:tcPr/>
+                </a:tc>
+              </a:tr>
+              <a:tr h="1800000">
+                <a:tc>
+                  <a:txBody>
+                    <a:bodyPr/>
+                    <a:lstStyle/>
+                    <a:p>
+                      <a:endParaRPr lang="zh-CN" altLang="en-US"/>
+                    </a:p>
+                  </a:txBody>
+                  <a:tcPr/>
+                </a:tc>
+                <a:tc>
+                  <a:txBody>
+                    <a:bodyPr/>
+                    <a:lstStyle/>
+                    <a:p>
+                      <a:endParaRPr lang="zh-CN" altLang="en-US"/>
+                    </a:p>
+                  </a:txBody>
+                  <a:tcPr/>
+                </a:tc>
+                <a:tc>
+                  <a:txBody>
+                    <a:bodyPr/>
+                    <a:lstStyle/>
+                    <a:p>
+                      <a:endParaRPr lang="zh-CN" altLang="en-US" dirty="0"/>
+                    </a:p>
+                  </a:txBody>
+                  <a:tcPr/>
+                </a:tc>
+              </a:tr>
+            </a:tbl>
+          </a:graphicData>
+        </a:graphic>
+      </p:graphicFrame>
     </p:spTree>
     <p:extLst>
       <p:ext uri="{BB962C8B-B14F-4D97-AF65-F5344CB8AC3E}">
@@ -5819,6 +7959,135 @@
           </a:p>
         </p:txBody>
       </p:sp>
+      <p:graphicFrame>
+        <p:nvGraphicFramePr>
+          <p:cNvPr id="5" name="表格 4"/>
+          <p:cNvGraphicFramePr>
+            <a:graphicFrameLocks noGrp="1"/>
+          </p:cNvGraphicFramePr>
+          <p:nvPr>
+            <p:extLst>
+              <p:ext uri="{D42A27DB-BD31-4B8C-83A1-F6EECF244321}">
+                <p14:modId xmlns:p14="http://schemas.microsoft.com/office/powerpoint/2010/main" val="633802444"/>
+              </p:ext>
+            </p:extLst>
+          </p:nvPr>
+        </p:nvGraphicFramePr>
+        <p:xfrm>
+          <a:off x="3396000" y="729000"/>
+          <a:ext cx="5400000" cy="5400000"/>
+        </p:xfrm>
+        <a:graphic>
+          <a:graphicData uri="http://schemas.openxmlformats.org/drawingml/2006/table">
+            <a:tbl>
+              <a:tblPr firstRow="1" bandRow="1">
+                <a:tableStyleId>{5940675A-B579-460E-94D1-54222C63F5DA}</a:tableStyleId>
+              </a:tblPr>
+              <a:tblGrid>
+                <a:gridCol w="1800000"/>
+                <a:gridCol w="1800000"/>
+                <a:gridCol w="1800000"/>
+              </a:tblGrid>
+              <a:tr h="1800000">
+                <a:tc>
+                  <a:txBody>
+                    <a:bodyPr/>
+                    <a:lstStyle/>
+                    <a:p>
+                      <a:endParaRPr lang="zh-CN" altLang="en-US" dirty="0"/>
+                    </a:p>
+                  </a:txBody>
+                  <a:tcPr/>
+                </a:tc>
+                <a:tc>
+                  <a:txBody>
+                    <a:bodyPr/>
+                    <a:lstStyle/>
+                    <a:p>
+                      <a:endParaRPr lang="zh-CN" altLang="en-US"/>
+                    </a:p>
+                  </a:txBody>
+                  <a:tcPr/>
+                </a:tc>
+                <a:tc>
+                  <a:txBody>
+                    <a:bodyPr/>
+                    <a:lstStyle/>
+                    <a:p>
+                      <a:endParaRPr lang="zh-CN" altLang="en-US"/>
+                    </a:p>
+                  </a:txBody>
+                  <a:tcPr/>
+                </a:tc>
+              </a:tr>
+              <a:tr h="1800000">
+                <a:tc>
+                  <a:txBody>
+                    <a:bodyPr/>
+                    <a:lstStyle/>
+                    <a:p>
+                      <a:endParaRPr lang="zh-CN" altLang="en-US"/>
+                    </a:p>
+                  </a:txBody>
+                  <a:tcPr/>
+                </a:tc>
+                <a:tc>
+                  <a:txBody>
+                    <a:bodyPr/>
+                    <a:lstStyle/>
+                    <a:p>
+                      <a:endParaRPr lang="zh-CN" altLang="en-US"/>
+                    </a:p>
+                  </a:txBody>
+                  <a:tcPr/>
+                </a:tc>
+                <a:tc>
+                  <a:txBody>
+                    <a:bodyPr/>
+                    <a:lstStyle/>
+                    <a:p>
+                      <a:endParaRPr lang="zh-CN" altLang="en-US"/>
+                    </a:p>
+                  </a:txBody>
+                  <a:tcPr/>
+                </a:tc>
+              </a:tr>
+              <a:tr h="1800000">
+                <a:tc>
+                  <a:txBody>
+                    <a:bodyPr/>
+                    <a:lstStyle/>
+                    <a:p>
+                      <a:endParaRPr lang="zh-CN" altLang="en-US"/>
+                    </a:p>
+                  </a:txBody>
+                  <a:tcPr/>
+                </a:tc>
+                <a:tc>
+                  <a:txBody>
+                    <a:bodyPr/>
+                    <a:lstStyle/>
+                    <a:p>
+                      <a:endParaRPr lang="zh-CN" altLang="en-US"/>
+                    </a:p>
+                  </a:txBody>
+                  <a:tcPr/>
+                </a:tc>
+                <a:tc>
+                  <a:txBody>
+                    <a:bodyPr/>
+                    <a:lstStyle/>
+                    <a:p>
+                      <a:endParaRPr lang="zh-CN" altLang="en-US" dirty="0"/>
+                    </a:p>
+                  </a:txBody>
+                  <a:tcPr/>
+                </a:tc>
+              </a:tr>
+            </a:tbl>
+          </a:graphicData>
+        </a:graphic>
+      </p:graphicFrame>
     </p:spTree>
     <p:extLst>
       <p:ext uri="{BB962C8B-B14F-4D97-AF65-F5344CB8AC3E}">
@@ -5963,6 +8232,135 @@
           </a:p>
         </p:txBody>
       </p:sp>
+      <p:graphicFrame>
+        <p:nvGraphicFramePr>
+          <p:cNvPr id="5" name="表格 4"/>
+          <p:cNvGraphicFramePr>
+            <a:graphicFrameLocks noGrp="1"/>
+          </p:cNvGraphicFramePr>
+          <p:nvPr>
+            <p:extLst>
+              <p:ext uri="{D42A27DB-BD31-4B8C-83A1-F6EECF244321}">
+                <p14:modId xmlns:p14="http://schemas.microsoft.com/office/powerpoint/2010/main" val="633802444"/>
+              </p:ext>
+            </p:extLst>
+          </p:nvPr>
+        </p:nvGraphicFramePr>
+        <p:xfrm>
+          <a:off x="3396000" y="729000"/>
+          <a:ext cx="5400000" cy="5400000"/>
+        </p:xfrm>
+        <a:graphic>
+          <a:graphicData uri="http://schemas.openxmlformats.org/drawingml/2006/table">
+            <a:tbl>
+              <a:tblPr firstRow="1" bandRow="1">
+                <a:tableStyleId>{5940675A-B579-460E-94D1-54222C63F5DA}</a:tableStyleId>
+              </a:tblPr>
+              <a:tblGrid>
+                <a:gridCol w="1800000"/>
+                <a:gridCol w="1800000"/>
+                <a:gridCol w="1800000"/>
+              </a:tblGrid>
+              <a:tr h="1800000">
+                <a:tc>
+                  <a:txBody>
+                    <a:bodyPr/>
+                    <a:lstStyle/>
+                    <a:p>
+                      <a:endParaRPr lang="zh-CN" altLang="en-US" dirty="0"/>
+                    </a:p>
+                  </a:txBody>
+                  <a:tcPr/>
+                </a:tc>
+                <a:tc>
+                  <a:txBody>
+                    <a:bodyPr/>
+                    <a:lstStyle/>
+                    <a:p>
+                      <a:endParaRPr lang="zh-CN" altLang="en-US"/>
+                    </a:p>
+                  </a:txBody>
+                  <a:tcPr/>
+                </a:tc>
+                <a:tc>
+                  <a:txBody>
+                    <a:bodyPr/>
+                    <a:lstStyle/>
+                    <a:p>
+                      <a:endParaRPr lang="zh-CN" altLang="en-US"/>
+                    </a:p>
+                  </a:txBody>
+                  <a:tcPr/>
+                </a:tc>
+              </a:tr>
+              <a:tr h="1800000">
+                <a:tc>
+                  <a:txBody>
+                    <a:bodyPr/>
+                    <a:lstStyle/>
+                    <a:p>
+                      <a:endParaRPr lang="zh-CN" altLang="en-US"/>
+                    </a:p>
+                  </a:txBody>
+                  <a:tcPr/>
+                </a:tc>
+                <a:tc>
+                  <a:txBody>
+                    <a:bodyPr/>
+                    <a:lstStyle/>
+                    <a:p>
+                      <a:endParaRPr lang="zh-CN" altLang="en-US"/>
+                    </a:p>
+                  </a:txBody>
+                  <a:tcPr/>
+                </a:tc>
+                <a:tc>
+                  <a:txBody>
+                    <a:bodyPr/>
+                    <a:lstStyle/>
+                    <a:p>
+                      <a:endParaRPr lang="zh-CN" altLang="en-US"/>
+                    </a:p>
+                  </a:txBody>
+                  <a:tcPr/>
+                </a:tc>
+              </a:tr>
+              <a:tr h="1800000">
+                <a:tc>
+                  <a:txBody>
+                    <a:bodyPr/>
+                    <a:lstStyle/>
+                    <a:p>
+                      <a:endParaRPr lang="zh-CN" altLang="en-US"/>
+                    </a:p>
+                  </a:txBody>
+                  <a:tcPr/>
+                </a:tc>
+                <a:tc>
+                  <a:txBody>
+                    <a:bodyPr/>
+                    <a:lstStyle/>
+                    <a:p>
+                      <a:endParaRPr lang="zh-CN" altLang="en-US"/>
+                    </a:p>
+                  </a:txBody>
+                  <a:tcPr/>
+                </a:tc>
+                <a:tc>
+                  <a:txBody>
+                    <a:bodyPr/>
+                    <a:lstStyle/>
+                    <a:p>
+                      <a:endParaRPr lang="zh-CN" altLang="en-US" dirty="0"/>
+                    </a:p>
+                  </a:txBody>
+                  <a:tcPr/>
+                </a:tc>
+              </a:tr>
+            </a:tbl>
+          </a:graphicData>
+        </a:graphic>
+      </p:graphicFrame>
     </p:spTree>
     <p:extLst>
       <p:ext uri="{BB962C8B-B14F-4D97-AF65-F5344CB8AC3E}">
@@ -6107,6 +8505,135 @@
           </a:p>
         </p:txBody>
       </p:sp>
+      <p:graphicFrame>
+        <p:nvGraphicFramePr>
+          <p:cNvPr id="5" name="表格 4"/>
+          <p:cNvGraphicFramePr>
+            <a:graphicFrameLocks noGrp="1"/>
+          </p:cNvGraphicFramePr>
+          <p:nvPr>
+            <p:extLst>
+              <p:ext uri="{D42A27DB-BD31-4B8C-83A1-F6EECF244321}">
+                <p14:modId xmlns:p14="http://schemas.microsoft.com/office/powerpoint/2010/main" val="633802444"/>
+              </p:ext>
+            </p:extLst>
+          </p:nvPr>
+        </p:nvGraphicFramePr>
+        <p:xfrm>
+          <a:off x="3396000" y="729000"/>
+          <a:ext cx="5400000" cy="5400000"/>
+        </p:xfrm>
+        <a:graphic>
+          <a:graphicData uri="http://schemas.openxmlformats.org/drawingml/2006/table">
+            <a:tbl>
+              <a:tblPr firstRow="1" bandRow="1">
+                <a:tableStyleId>{5940675A-B579-460E-94D1-54222C63F5DA}</a:tableStyleId>
+              </a:tblPr>
+              <a:tblGrid>
+                <a:gridCol w="1800000"/>
+                <a:gridCol w="1800000"/>
+                <a:gridCol w="1800000"/>
+              </a:tblGrid>
+              <a:tr h="1800000">
+                <a:tc>
+                  <a:txBody>
+                    <a:bodyPr/>
+                    <a:lstStyle/>
+                    <a:p>
+                      <a:endParaRPr lang="zh-CN" altLang="en-US" dirty="0"/>
+                    </a:p>
+                  </a:txBody>
+                  <a:tcPr/>
+                </a:tc>
+                <a:tc>
+                  <a:txBody>
+                    <a:bodyPr/>
+                    <a:lstStyle/>
+                    <a:p>
+                      <a:endParaRPr lang="zh-CN" altLang="en-US"/>
+                    </a:p>
+                  </a:txBody>
+                  <a:tcPr/>
+                </a:tc>
+                <a:tc>
+                  <a:txBody>
+                    <a:bodyPr/>
+                    <a:lstStyle/>
+                    <a:p>
+                      <a:endParaRPr lang="zh-CN" altLang="en-US"/>
+                    </a:p>
+                  </a:txBody>
+                  <a:tcPr/>
+                </a:tc>
+              </a:tr>
+              <a:tr h="1800000">
+                <a:tc>
+                  <a:txBody>
+                    <a:bodyPr/>
+                    <a:lstStyle/>
+                    <a:p>
+                      <a:endParaRPr lang="zh-CN" altLang="en-US"/>
+                    </a:p>
+                  </a:txBody>
+                  <a:tcPr/>
+                </a:tc>
+                <a:tc>
+                  <a:txBody>
+                    <a:bodyPr/>
+                    <a:lstStyle/>
+                    <a:p>
+                      <a:endParaRPr lang="zh-CN" altLang="en-US"/>
+                    </a:p>
+                  </a:txBody>
+                  <a:tcPr/>
+                </a:tc>
+                <a:tc>
+                  <a:txBody>
+                    <a:bodyPr/>
+                    <a:lstStyle/>
+                    <a:p>
+                      <a:endParaRPr lang="zh-CN" altLang="en-US"/>
+                    </a:p>
+                  </a:txBody>
+                  <a:tcPr/>
+                </a:tc>
+              </a:tr>
+              <a:tr h="1800000">
+                <a:tc>
+                  <a:txBody>
+                    <a:bodyPr/>
+                    <a:lstStyle/>
+                    <a:p>
+                      <a:endParaRPr lang="zh-CN" altLang="en-US"/>
+                    </a:p>
+                  </a:txBody>
+                  <a:tcPr/>
+                </a:tc>
+                <a:tc>
+                  <a:txBody>
+                    <a:bodyPr/>
+                    <a:lstStyle/>
+                    <a:p>
+                      <a:endParaRPr lang="zh-CN" altLang="en-US"/>
+                    </a:p>
+                  </a:txBody>
+                  <a:tcPr/>
+                </a:tc>
+                <a:tc>
+                  <a:txBody>
+                    <a:bodyPr/>
+                    <a:lstStyle/>
+                    <a:p>
+                      <a:endParaRPr lang="zh-CN" altLang="en-US" dirty="0"/>
+                    </a:p>
+                  </a:txBody>
+                  <a:tcPr/>
+                </a:tc>
+              </a:tr>
+            </a:tbl>
+          </a:graphicData>
+        </a:graphic>
+      </p:graphicFrame>
     </p:spTree>
     <p:extLst>
       <p:ext uri="{BB962C8B-B14F-4D97-AF65-F5344CB8AC3E}">
@@ -6266,6 +8793,135 @@
           </p:txBody>
         </p:sp>
       </p:grpSp>
+      <p:graphicFrame>
+        <p:nvGraphicFramePr>
+          <p:cNvPr id="8" name="表格 7"/>
+          <p:cNvGraphicFramePr>
+            <a:graphicFrameLocks noGrp="1"/>
+          </p:cNvGraphicFramePr>
+          <p:nvPr>
+            <p:extLst>
+              <p:ext uri="{D42A27DB-BD31-4B8C-83A1-F6EECF244321}">
+                <p14:modId xmlns:p14="http://schemas.microsoft.com/office/powerpoint/2010/main" val="633802444"/>
+              </p:ext>
+            </p:extLst>
+          </p:nvPr>
+        </p:nvGraphicFramePr>
+        <p:xfrm>
+          <a:off x="3396000" y="729000"/>
+          <a:ext cx="5400000" cy="5400000"/>
+        </p:xfrm>
+        <a:graphic>
+          <a:graphicData uri="http://schemas.openxmlformats.org/drawingml/2006/table">
+            <a:tbl>
+              <a:tblPr firstRow="1" bandRow="1">
+                <a:tableStyleId>{5940675A-B579-460E-94D1-54222C63F5DA}</a:tableStyleId>
+              </a:tblPr>
+              <a:tblGrid>
+                <a:gridCol w="1800000"/>
+                <a:gridCol w="1800000"/>
+                <a:gridCol w="1800000"/>
+              </a:tblGrid>
+              <a:tr h="1800000">
+                <a:tc>
+                  <a:txBody>
+                    <a:bodyPr/>
+                    <a:lstStyle/>
+                    <a:p>
+                      <a:endParaRPr lang="zh-CN" altLang="en-US" dirty="0"/>
+                    </a:p>
+                  </a:txBody>
+                  <a:tcPr/>
+                </a:tc>
+                <a:tc>
+                  <a:txBody>
+                    <a:bodyPr/>
+                    <a:lstStyle/>
+                    <a:p>
+                      <a:endParaRPr lang="zh-CN" altLang="en-US"/>
+                    </a:p>
+                  </a:txBody>
+                  <a:tcPr/>
+                </a:tc>
+                <a:tc>
+                  <a:txBody>
+                    <a:bodyPr/>
+                    <a:lstStyle/>
+                    <a:p>
+                      <a:endParaRPr lang="zh-CN" altLang="en-US"/>
+                    </a:p>
+                  </a:txBody>
+                  <a:tcPr/>
+                </a:tc>
+              </a:tr>
+              <a:tr h="1800000">
+                <a:tc>
+                  <a:txBody>
+                    <a:bodyPr/>
+                    <a:lstStyle/>
+                    <a:p>
+                      <a:endParaRPr lang="zh-CN" altLang="en-US"/>
+                    </a:p>
+                  </a:txBody>
+                  <a:tcPr/>
+                </a:tc>
+                <a:tc>
+                  <a:txBody>
+                    <a:bodyPr/>
+                    <a:lstStyle/>
+                    <a:p>
+                      <a:endParaRPr lang="zh-CN" altLang="en-US"/>
+                    </a:p>
+                  </a:txBody>
+                  <a:tcPr/>
+                </a:tc>
+                <a:tc>
+                  <a:txBody>
+                    <a:bodyPr/>
+                    <a:lstStyle/>
+                    <a:p>
+                      <a:endParaRPr lang="zh-CN" altLang="en-US"/>
+                    </a:p>
+                  </a:txBody>
+                  <a:tcPr/>
+                </a:tc>
+              </a:tr>
+              <a:tr h="1800000">
+                <a:tc>
+                  <a:txBody>
+                    <a:bodyPr/>
+                    <a:lstStyle/>
+                    <a:p>
+                      <a:endParaRPr lang="zh-CN" altLang="en-US"/>
+                    </a:p>
+                  </a:txBody>
+                  <a:tcPr/>
+                </a:tc>
+                <a:tc>
+                  <a:txBody>
+                    <a:bodyPr/>
+                    <a:lstStyle/>
+                    <a:p>
+                      <a:endParaRPr lang="zh-CN" altLang="en-US"/>
+                    </a:p>
+                  </a:txBody>
+                  <a:tcPr/>
+                </a:tc>
+                <a:tc>
+                  <a:txBody>
+                    <a:bodyPr/>
+                    <a:lstStyle/>
+                    <a:p>
+                      <a:endParaRPr lang="zh-CN" altLang="en-US" dirty="0"/>
+                    </a:p>
+                  </a:txBody>
+                  <a:tcPr/>
+                </a:tc>
+              </a:tr>
+            </a:tbl>
+          </a:graphicData>
+        </a:graphic>
+      </p:graphicFrame>
     </p:spTree>
     <p:extLst>
       <p:ext uri="{BB962C8B-B14F-4D97-AF65-F5344CB8AC3E}">
@@ -6425,6 +9081,135 @@
           </p:txBody>
         </p:sp>
       </p:grpSp>
+      <p:graphicFrame>
+        <p:nvGraphicFramePr>
+          <p:cNvPr id="8" name="表格 7"/>
+          <p:cNvGraphicFramePr>
+            <a:graphicFrameLocks noGrp="1"/>
+          </p:cNvGraphicFramePr>
+          <p:nvPr>
+            <p:extLst>
+              <p:ext uri="{D42A27DB-BD31-4B8C-83A1-F6EECF244321}">
+                <p14:modId xmlns:p14="http://schemas.microsoft.com/office/powerpoint/2010/main" val="633802444"/>
+              </p:ext>
+            </p:extLst>
+          </p:nvPr>
+        </p:nvGraphicFramePr>
+        <p:xfrm>
+          <a:off x="3396000" y="729000"/>
+          <a:ext cx="5400000" cy="5400000"/>
+        </p:xfrm>
+        <a:graphic>
+          <a:graphicData uri="http://schemas.openxmlformats.org/drawingml/2006/table">
+            <a:tbl>
+              <a:tblPr firstRow="1" bandRow="1">
+                <a:tableStyleId>{5940675A-B579-460E-94D1-54222C63F5DA}</a:tableStyleId>
+              </a:tblPr>
+              <a:tblGrid>
+                <a:gridCol w="1800000"/>
+                <a:gridCol w="1800000"/>
+                <a:gridCol w="1800000"/>
+              </a:tblGrid>
+              <a:tr h="1800000">
+                <a:tc>
+                  <a:txBody>
+                    <a:bodyPr/>
+                    <a:lstStyle/>
+                    <a:p>
+                      <a:endParaRPr lang="zh-CN" altLang="en-US" dirty="0"/>
+                    </a:p>
+                  </a:txBody>
+                  <a:tcPr/>
+                </a:tc>
+                <a:tc>
+                  <a:txBody>
+                    <a:bodyPr/>
+                    <a:lstStyle/>
+                    <a:p>
+                      <a:endParaRPr lang="zh-CN" altLang="en-US"/>
+                    </a:p>
+                  </a:txBody>
+                  <a:tcPr/>
+                </a:tc>
+                <a:tc>
+                  <a:txBody>
+                    <a:bodyPr/>
+                    <a:lstStyle/>
+                    <a:p>
+                      <a:endParaRPr lang="zh-CN" altLang="en-US"/>
+                    </a:p>
+                  </a:txBody>
+                  <a:tcPr/>
+                </a:tc>
+              </a:tr>
+              <a:tr h="1800000">
+                <a:tc>
+                  <a:txBody>
+                    <a:bodyPr/>
+                    <a:lstStyle/>
+                    <a:p>
+                      <a:endParaRPr lang="zh-CN" altLang="en-US"/>
+                    </a:p>
+                  </a:txBody>
+                  <a:tcPr/>
+                </a:tc>
+                <a:tc>
+                  <a:txBody>
+                    <a:bodyPr/>
+                    <a:lstStyle/>
+                    <a:p>
+                      <a:endParaRPr lang="zh-CN" altLang="en-US"/>
+                    </a:p>
+                  </a:txBody>
+                  <a:tcPr/>
+                </a:tc>
+                <a:tc>
+                  <a:txBody>
+                    <a:bodyPr/>
+                    <a:lstStyle/>
+                    <a:p>
+                      <a:endParaRPr lang="zh-CN" altLang="en-US"/>
+                    </a:p>
+                  </a:txBody>
+                  <a:tcPr/>
+                </a:tc>
+              </a:tr>
+              <a:tr h="1800000">
+                <a:tc>
+                  <a:txBody>
+                    <a:bodyPr/>
+                    <a:lstStyle/>
+                    <a:p>
+                      <a:endParaRPr lang="zh-CN" altLang="en-US"/>
+                    </a:p>
+                  </a:txBody>
+                  <a:tcPr/>
+                </a:tc>
+                <a:tc>
+                  <a:txBody>
+                    <a:bodyPr/>
+                    <a:lstStyle/>
+                    <a:p>
+                      <a:endParaRPr lang="zh-CN" altLang="en-US"/>
+                    </a:p>
+                  </a:txBody>
+                  <a:tcPr/>
+                </a:tc>
+                <a:tc>
+                  <a:txBody>
+                    <a:bodyPr/>
+                    <a:lstStyle/>
+                    <a:p>
+                      <a:endParaRPr lang="zh-CN" altLang="en-US" dirty="0"/>
+                    </a:p>
+                  </a:txBody>
+                  <a:tcPr/>
+                </a:tc>
+              </a:tr>
+            </a:tbl>
+          </a:graphicData>
+        </a:graphic>
+      </p:graphicFrame>
     </p:spTree>
     <p:extLst>
       <p:ext uri="{BB962C8B-B14F-4D97-AF65-F5344CB8AC3E}">
@@ -6584,6 +9369,135 @@
           </p:txBody>
         </p:sp>
       </p:grpSp>
+      <p:graphicFrame>
+        <p:nvGraphicFramePr>
+          <p:cNvPr id="8" name="表格 7"/>
+          <p:cNvGraphicFramePr>
+            <a:graphicFrameLocks noGrp="1"/>
+          </p:cNvGraphicFramePr>
+          <p:nvPr>
+            <p:extLst>
+              <p:ext uri="{D42A27DB-BD31-4B8C-83A1-F6EECF244321}">
+                <p14:modId xmlns:p14="http://schemas.microsoft.com/office/powerpoint/2010/main" val="633802444"/>
+              </p:ext>
+            </p:extLst>
+          </p:nvPr>
+        </p:nvGraphicFramePr>
+        <p:xfrm>
+          <a:off x="3396000" y="729000"/>
+          <a:ext cx="5400000" cy="5400000"/>
+        </p:xfrm>
+        <a:graphic>
+          <a:graphicData uri="http://schemas.openxmlformats.org/drawingml/2006/table">
+            <a:tbl>
+              <a:tblPr firstRow="1" bandRow="1">
+                <a:tableStyleId>{5940675A-B579-460E-94D1-54222C63F5DA}</a:tableStyleId>
+              </a:tblPr>
+              <a:tblGrid>
+                <a:gridCol w="1800000"/>
+                <a:gridCol w="1800000"/>
+                <a:gridCol w="1800000"/>
+              </a:tblGrid>
+              <a:tr h="1800000">
+                <a:tc>
+                  <a:txBody>
+                    <a:bodyPr/>
+                    <a:lstStyle/>
+                    <a:p>
+                      <a:endParaRPr lang="zh-CN" altLang="en-US" dirty="0"/>
+                    </a:p>
+                  </a:txBody>
+                  <a:tcPr/>
+                </a:tc>
+                <a:tc>
+                  <a:txBody>
+                    <a:bodyPr/>
+                    <a:lstStyle/>
+                    <a:p>
+                      <a:endParaRPr lang="zh-CN" altLang="en-US"/>
+                    </a:p>
+                  </a:txBody>
+                  <a:tcPr/>
+                </a:tc>
+                <a:tc>
+                  <a:txBody>
+                    <a:bodyPr/>
+                    <a:lstStyle/>
+                    <a:p>
+                      <a:endParaRPr lang="zh-CN" altLang="en-US"/>
+                    </a:p>
+                  </a:txBody>
+                  <a:tcPr/>
+                </a:tc>
+              </a:tr>
+              <a:tr h="1800000">
+                <a:tc>
+                  <a:txBody>
+                    <a:bodyPr/>
+                    <a:lstStyle/>
+                    <a:p>
+                      <a:endParaRPr lang="zh-CN" altLang="en-US"/>
+                    </a:p>
+                  </a:txBody>
+                  <a:tcPr/>
+                </a:tc>
+                <a:tc>
+                  <a:txBody>
+                    <a:bodyPr/>
+                    <a:lstStyle/>
+                    <a:p>
+                      <a:endParaRPr lang="zh-CN" altLang="en-US"/>
+                    </a:p>
+                  </a:txBody>
+                  <a:tcPr/>
+                </a:tc>
+                <a:tc>
+                  <a:txBody>
+                    <a:bodyPr/>
+                    <a:lstStyle/>
+                    <a:p>
+                      <a:endParaRPr lang="zh-CN" altLang="en-US"/>
+                    </a:p>
+                  </a:txBody>
+                  <a:tcPr/>
+                </a:tc>
+              </a:tr>
+              <a:tr h="1800000">
+                <a:tc>
+                  <a:txBody>
+                    <a:bodyPr/>
+                    <a:lstStyle/>
+                    <a:p>
+                      <a:endParaRPr lang="zh-CN" altLang="en-US"/>
+                    </a:p>
+                  </a:txBody>
+                  <a:tcPr/>
+                </a:tc>
+                <a:tc>
+                  <a:txBody>
+                    <a:bodyPr/>
+                    <a:lstStyle/>
+                    <a:p>
+                      <a:endParaRPr lang="zh-CN" altLang="en-US"/>
+                    </a:p>
+                  </a:txBody>
+                  <a:tcPr/>
+                </a:tc>
+                <a:tc>
+                  <a:txBody>
+                    <a:bodyPr/>
+                    <a:lstStyle/>
+                    <a:p>
+                      <a:endParaRPr lang="zh-CN" altLang="en-US" dirty="0"/>
+                    </a:p>
+                  </a:txBody>
+                  <a:tcPr/>
+                </a:tc>
+              </a:tr>
+            </a:tbl>
+          </a:graphicData>
+        </a:graphic>
+      </p:graphicFrame>
     </p:spTree>
     <p:extLst>
       <p:ext uri="{BB962C8B-B14F-4D97-AF65-F5344CB8AC3E}">
@@ -6648,7 +9562,11 @@
           <a:lstStyle/>
           <a:p>
             <a:pPr algn="ctr"/>
-            <a:endParaRPr kumimoji="1" lang="zh-CN" altLang="en-US"/>
+            <a:r>
+              <a:rPr kumimoji="1" lang="en-US" altLang="zh-CN" dirty="0" smtClean="0"/>
+              <a:t>E</a:t>
+            </a:r>
+            <a:endParaRPr kumimoji="1" lang="zh-CN" altLang="en-US" dirty="0"/>
           </a:p>
         </p:txBody>
       </p:sp>
@@ -6686,7 +9604,11 @@
           <a:lstStyle/>
           <a:p>
             <a:pPr algn="ctr"/>
-            <a:endParaRPr kumimoji="1" lang="zh-CN" altLang="en-US"/>
+            <a:r>
+              <a:rPr kumimoji="1" lang="en-US" altLang="zh-CN" dirty="0" smtClean="0"/>
+              <a:t>C</a:t>
+            </a:r>
+            <a:endParaRPr kumimoji="1" lang="zh-CN" altLang="en-US" dirty="0"/>
           </a:p>
         </p:txBody>
       </p:sp>
@@ -6724,7 +9646,11 @@
           <a:lstStyle/>
           <a:p>
             <a:pPr algn="ctr"/>
-            <a:endParaRPr kumimoji="1" lang="zh-CN" altLang="en-US"/>
+            <a:r>
+              <a:rPr kumimoji="1" lang="en-US" altLang="zh-CN" dirty="0" smtClean="0"/>
+              <a:t>G</a:t>
+            </a:r>
+            <a:endParaRPr kumimoji="1" lang="zh-CN" altLang="en-US" dirty="0"/>
           </a:p>
         </p:txBody>
       </p:sp>
@@ -6762,7 +9688,11 @@
           <a:lstStyle/>
           <a:p>
             <a:pPr algn="ctr"/>
-            <a:endParaRPr kumimoji="1" lang="zh-CN" altLang="en-US"/>
+            <a:r>
+              <a:rPr kumimoji="1" lang="en-US" altLang="zh-CN" dirty="0" smtClean="0"/>
+              <a:t>B</a:t>
+            </a:r>
+            <a:endParaRPr kumimoji="1" lang="zh-CN" altLang="en-US" dirty="0"/>
           </a:p>
         </p:txBody>
       </p:sp>
@@ -6800,7 +9730,11 @@
           <a:lstStyle/>
           <a:p>
             <a:pPr algn="ctr"/>
-            <a:endParaRPr kumimoji="1" lang="zh-CN" altLang="en-US"/>
+            <a:r>
+              <a:rPr kumimoji="1" lang="en-US" altLang="zh-CN" dirty="0" smtClean="0"/>
+              <a:t>A</a:t>
+            </a:r>
+            <a:endParaRPr kumimoji="1" lang="zh-CN" altLang="en-US" dirty="0"/>
           </a:p>
         </p:txBody>
       </p:sp>
@@ -6838,7 +9772,11 @@
           <a:lstStyle/>
           <a:p>
             <a:pPr algn="ctr"/>
-            <a:endParaRPr kumimoji="1" lang="zh-CN" altLang="en-US"/>
+            <a:r>
+              <a:rPr kumimoji="1" lang="en-US" altLang="zh-CN" dirty="0" smtClean="0"/>
+              <a:t>D</a:t>
+            </a:r>
+            <a:endParaRPr kumimoji="1" lang="zh-CN" altLang="en-US" dirty="0"/>
           </a:p>
         </p:txBody>
       </p:sp>
@@ -6876,7 +9814,11 @@
           <a:lstStyle/>
           <a:p>
             <a:pPr algn="ctr"/>
-            <a:endParaRPr kumimoji="1" lang="zh-CN" altLang="en-US"/>
+            <a:r>
+              <a:rPr kumimoji="1" lang="en-US" altLang="zh-CN" dirty="0" smtClean="0"/>
+              <a:t>F</a:t>
+            </a:r>
+            <a:endParaRPr kumimoji="1" lang="zh-CN" altLang="en-US" dirty="0"/>
           </a:p>
         </p:txBody>
       </p:sp>
@@ -6914,7 +9856,11 @@
           <a:lstStyle/>
           <a:p>
             <a:pPr algn="ctr"/>
-            <a:endParaRPr kumimoji="1" lang="zh-CN" altLang="en-US"/>
+            <a:r>
+              <a:rPr kumimoji="1" lang="en-US" altLang="zh-CN" dirty="0" smtClean="0"/>
+              <a:t>H</a:t>
+            </a:r>
+            <a:endParaRPr kumimoji="1" lang="zh-CN" altLang="en-US" dirty="0"/>
           </a:p>
         </p:txBody>
       </p:sp>
@@ -6952,10 +9898,143 @@
           <a:lstStyle/>
           <a:p>
             <a:pPr algn="ctr"/>
-            <a:endParaRPr kumimoji="1" lang="zh-CN" altLang="en-US"/>
-          </a:p>
-        </p:txBody>
-      </p:sp>
+            <a:r>
+              <a:rPr kumimoji="1" lang="en-US" altLang="zh-CN" dirty="0" smtClean="0"/>
+              <a:t>I</a:t>
+            </a:r>
+            <a:endParaRPr kumimoji="1" lang="zh-CN" altLang="en-US" dirty="0"/>
+          </a:p>
+        </p:txBody>
+      </p:sp>
+      <p:graphicFrame>
+        <p:nvGraphicFramePr>
+          <p:cNvPr id="2" name="表格 1"/>
+          <p:cNvGraphicFramePr>
+            <a:graphicFrameLocks noGrp="1"/>
+          </p:cNvGraphicFramePr>
+          <p:nvPr>
+            <p:extLst>
+              <p:ext uri="{D42A27DB-BD31-4B8C-83A1-F6EECF244321}">
+                <p14:modId xmlns:p14="http://schemas.microsoft.com/office/powerpoint/2010/main" val="933898317"/>
+              </p:ext>
+            </p:extLst>
+          </p:nvPr>
+        </p:nvGraphicFramePr>
+        <p:xfrm>
+          <a:off x="3396000" y="729000"/>
+          <a:ext cx="5400000" cy="5400000"/>
+        </p:xfrm>
+        <a:graphic>
+          <a:graphicData uri="http://schemas.openxmlformats.org/drawingml/2006/table">
+            <a:tbl>
+              <a:tblPr firstRow="1" bandRow="1">
+                <a:tableStyleId>{5940675A-B579-460E-94D1-54222C63F5DA}</a:tableStyleId>
+              </a:tblPr>
+              <a:tblGrid>
+                <a:gridCol w="1800000"/>
+                <a:gridCol w="1800000"/>
+                <a:gridCol w="1800000"/>
+              </a:tblGrid>
+              <a:tr h="1800000">
+                <a:tc>
+                  <a:txBody>
+                    <a:bodyPr/>
+                    <a:lstStyle/>
+                    <a:p>
+                      <a:endParaRPr lang="zh-CN" altLang="en-US" dirty="0"/>
+                    </a:p>
+                  </a:txBody>
+                  <a:tcPr/>
+                </a:tc>
+                <a:tc>
+                  <a:txBody>
+                    <a:bodyPr/>
+                    <a:lstStyle/>
+                    <a:p>
+                      <a:endParaRPr lang="zh-CN" altLang="en-US"/>
+                    </a:p>
+                  </a:txBody>
+                  <a:tcPr/>
+                </a:tc>
+                <a:tc>
+                  <a:txBody>
+                    <a:bodyPr/>
+                    <a:lstStyle/>
+                    <a:p>
+                      <a:endParaRPr lang="zh-CN" altLang="en-US"/>
+                    </a:p>
+                  </a:txBody>
+                  <a:tcPr/>
+                </a:tc>
+              </a:tr>
+              <a:tr h="1800000">
+                <a:tc>
+                  <a:txBody>
+                    <a:bodyPr/>
+                    <a:lstStyle/>
+                    <a:p>
+                      <a:endParaRPr lang="zh-CN" altLang="en-US"/>
+                    </a:p>
+                  </a:txBody>
+                  <a:tcPr/>
+                </a:tc>
+                <a:tc>
+                  <a:txBody>
+                    <a:bodyPr/>
+                    <a:lstStyle/>
+                    <a:p>
+                      <a:endParaRPr lang="zh-CN" altLang="en-US"/>
+                    </a:p>
+                  </a:txBody>
+                  <a:tcPr/>
+                </a:tc>
+                <a:tc>
+                  <a:txBody>
+                    <a:bodyPr/>
+                    <a:lstStyle/>
+                    <a:p>
+                      <a:endParaRPr lang="zh-CN" altLang="en-US"/>
+                    </a:p>
+                  </a:txBody>
+                  <a:tcPr/>
+                </a:tc>
+              </a:tr>
+              <a:tr h="1800000">
+                <a:tc>
+                  <a:txBody>
+                    <a:bodyPr/>
+                    <a:lstStyle/>
+                    <a:p>
+                      <a:endParaRPr lang="zh-CN" altLang="en-US"/>
+                    </a:p>
+                  </a:txBody>
+                  <a:tcPr/>
+                </a:tc>
+                <a:tc>
+                  <a:txBody>
+                    <a:bodyPr/>
+                    <a:lstStyle/>
+                    <a:p>
+                      <a:endParaRPr lang="zh-CN" altLang="en-US"/>
+                    </a:p>
+                  </a:txBody>
+                  <a:tcPr/>
+                </a:tc>
+                <a:tc>
+                  <a:txBody>
+                    <a:bodyPr/>
+                    <a:lstStyle/>
+                    <a:p>
+                      <a:endParaRPr lang="zh-CN" altLang="en-US" dirty="0"/>
+                    </a:p>
+                  </a:txBody>
+                  <a:tcPr/>
+                </a:tc>
+              </a:tr>
+            </a:tbl>
+          </a:graphicData>
+        </a:graphic>
+      </p:graphicFrame>
     </p:spTree>
     <p:extLst>
       <p:ext uri="{BB962C8B-B14F-4D97-AF65-F5344CB8AC3E}">
